--- a/2-tf.pptx
+++ b/2-tf.pptx
@@ -5,24 +5,25 @@
     <p:sldMasterId id="2147483648" r:id="rId1"/>
   </p:sldMasterIdLst>
   <p:notesMasterIdLst>
-    <p:notesMasterId r:id="rId14"/>
+    <p:notesMasterId r:id="rId15"/>
   </p:notesMasterIdLst>
   <p:handoutMasterIdLst>
-    <p:handoutMasterId r:id="rId15"/>
+    <p:handoutMasterId r:id="rId16"/>
   </p:handoutMasterIdLst>
   <p:sldIdLst>
     <p:sldId id="2305" r:id="rId2"/>
     <p:sldId id="2308" r:id="rId3"/>
     <p:sldId id="2310" r:id="rId4"/>
     <p:sldId id="2311" r:id="rId5"/>
-    <p:sldId id="2316" r:id="rId6"/>
-    <p:sldId id="2313" r:id="rId7"/>
-    <p:sldId id="2317" r:id="rId8"/>
-    <p:sldId id="2314" r:id="rId9"/>
-    <p:sldId id="2318" r:id="rId10"/>
-    <p:sldId id="2319" r:id="rId11"/>
-    <p:sldId id="2309" r:id="rId12"/>
-    <p:sldId id="2315" r:id="rId13"/>
+    <p:sldId id="2320" r:id="rId6"/>
+    <p:sldId id="2316" r:id="rId7"/>
+    <p:sldId id="2313" r:id="rId8"/>
+    <p:sldId id="2317" r:id="rId9"/>
+    <p:sldId id="2314" r:id="rId10"/>
+    <p:sldId id="2318" r:id="rId11"/>
+    <p:sldId id="2319" r:id="rId12"/>
+    <p:sldId id="2309" r:id="rId13"/>
+    <p:sldId id="2315" r:id="rId14"/>
   </p:sldIdLst>
   <p:sldSz cx="9144000" cy="6858000" type="screen4x3"/>
   <p:notesSz cx="6858000" cy="9144000"/>
@@ -236,7 +237,7 @@
           <a:p>
             <a:fld id="{B1730E14-8C26-4ED5-B7B4-B3979F4F78AA}" type="datetimeFigureOut">
               <a:rPr lang="cs-CZ" smtClean="0"/>
-              <a:t>18.11.2024</a:t>
+              <a:t>27.11.2024</a:t>
             </a:fld>
             <a:endParaRPr lang="cs-CZ"/>
           </a:p>
@@ -401,7 +402,7 @@
           <a:p>
             <a:fld id="{C85954D0-5250-4AAF-8AF5-6CCD0BDB627C}" type="datetimeFigureOut">
               <a:rPr lang="cs-CZ" smtClean="0"/>
-              <a:t>18.11.2024</a:t>
+              <a:t>27.11.2024</a:t>
             </a:fld>
             <a:endParaRPr lang="cs-CZ"/>
           </a:p>
@@ -955,7 +956,7 @@
           <a:p>
             <a:fld id="{95EC1D4A-A796-47C3-A63E-CE236FB377E2}" type="datetimeFigureOut">
               <a:rPr lang="cs-CZ" smtClean="0"/>
-              <a:t>18.11.2024</a:t>
+              <a:t>27.11.2024</a:t>
             </a:fld>
             <a:endParaRPr lang="cs-CZ"/>
           </a:p>
@@ -1118,7 +1119,7 @@
           <a:p>
             <a:fld id="{95EC1D4A-A796-47C3-A63E-CE236FB377E2}" type="datetimeFigureOut">
               <a:rPr lang="cs-CZ" smtClean="0"/>
-              <a:t>18.11.2024</a:t>
+              <a:t>27.11.2024</a:t>
             </a:fld>
             <a:endParaRPr lang="cs-CZ"/>
           </a:p>
@@ -1291,7 +1292,7 @@
           <a:p>
             <a:fld id="{95EC1D4A-A796-47C3-A63E-CE236FB377E2}" type="datetimeFigureOut">
               <a:rPr lang="cs-CZ" smtClean="0"/>
-              <a:t>18.11.2024</a:t>
+              <a:t>27.11.2024</a:t>
             </a:fld>
             <a:endParaRPr lang="cs-CZ"/>
           </a:p>
@@ -1454,7 +1455,7 @@
           <a:p>
             <a:fld id="{95EC1D4A-A796-47C3-A63E-CE236FB377E2}" type="datetimeFigureOut">
               <a:rPr lang="cs-CZ" smtClean="0"/>
-              <a:t>18.11.2024</a:t>
+              <a:t>27.11.2024</a:t>
             </a:fld>
             <a:endParaRPr lang="cs-CZ"/>
           </a:p>
@@ -1617,7 +1618,7 @@
           <a:p>
             <a:fld id="{95EC1D4A-A796-47C3-A63E-CE236FB377E2}" type="datetimeFigureOut">
               <a:rPr lang="cs-CZ" smtClean="0"/>
-              <a:t>18.11.2024</a:t>
+              <a:t>27.11.2024</a:t>
             </a:fld>
             <a:endParaRPr lang="cs-CZ"/>
           </a:p>
@@ -1897,7 +1898,7 @@
           <a:p>
             <a:fld id="{95EC1D4A-A796-47C3-A63E-CE236FB377E2}" type="datetimeFigureOut">
               <a:rPr lang="cs-CZ" smtClean="0"/>
-              <a:t>18.11.2024</a:t>
+              <a:t>27.11.2024</a:t>
             </a:fld>
             <a:endParaRPr lang="cs-CZ"/>
           </a:p>
@@ -2060,7 +2061,7 @@
           <a:p>
             <a:fld id="{95EC1D4A-A796-47C3-A63E-CE236FB377E2}" type="datetimeFigureOut">
               <a:rPr lang="cs-CZ" smtClean="0"/>
-              <a:t>18.11.2024</a:t>
+              <a:t>27.11.2024</a:t>
             </a:fld>
             <a:endParaRPr lang="cs-CZ"/>
           </a:p>
@@ -2223,7 +2224,7 @@
           <a:p>
             <a:fld id="{95EC1D4A-A796-47C3-A63E-CE236FB377E2}" type="datetimeFigureOut">
               <a:rPr lang="cs-CZ" smtClean="0"/>
-              <a:t>18.11.2024</a:t>
+              <a:t>27.11.2024</a:t>
             </a:fld>
             <a:endParaRPr lang="cs-CZ"/>
           </a:p>
@@ -2313,7 +2314,7 @@
           <a:p>
             <a:fld id="{95EC1D4A-A796-47C3-A63E-CE236FB377E2}" type="datetimeFigureOut">
               <a:rPr lang="cs-CZ" smtClean="0"/>
-              <a:t>18.11.2024</a:t>
+              <a:t>27.11.2024</a:t>
             </a:fld>
             <a:endParaRPr lang="cs-CZ"/>
           </a:p>
@@ -2583,7 +2584,7 @@
           <a:p>
             <a:fld id="{95EC1D4A-A796-47C3-A63E-CE236FB377E2}" type="datetimeFigureOut">
               <a:rPr lang="cs-CZ" smtClean="0"/>
-              <a:t>18.11.2024</a:t>
+              <a:t>27.11.2024</a:t>
             </a:fld>
             <a:endParaRPr lang="cs-CZ"/>
           </a:p>
@@ -2830,7 +2831,7 @@
           <a:p>
             <a:fld id="{95EC1D4A-A796-47C3-A63E-CE236FB377E2}" type="datetimeFigureOut">
               <a:rPr lang="cs-CZ" smtClean="0"/>
-              <a:t>18.11.2024</a:t>
+              <a:t>27.11.2024</a:t>
             </a:fld>
             <a:endParaRPr lang="cs-CZ"/>
           </a:p>
@@ -3036,7 +3037,7 @@
           <a:p>
             <a:fld id="{95EC1D4A-A796-47C3-A63E-CE236FB377E2}" type="datetimeFigureOut">
               <a:rPr lang="cs-CZ" smtClean="0"/>
-              <a:t>18.11.2024</a:t>
+              <a:t>27.11.2024</a:t>
             </a:fld>
             <a:endParaRPr lang="cs-CZ"/>
           </a:p>
@@ -3675,163 +3676,219 @@
           </a:xfrm>
         </p:spPr>
         <p:txBody>
-          <a:bodyPr/>
+          <a:bodyPr>
+            <a:normAutofit/>
+          </a:bodyPr>
           <a:lstStyle/>
           <a:p>
             <a:r>
               <a:rPr lang="cs-CZ" dirty="0" smtClean="0"/>
-              <a:t>Závislosti</a:t>
+              <a:t>Verze providerů</a:t>
             </a:r>
           </a:p>
           <a:p>
             <a:pPr lvl="1"/>
             <a:r>
-              <a:rPr lang="cs-CZ" sz="1800" dirty="0" err="1" smtClean="0"/>
+              <a:rPr lang="cs-CZ" sz="2000" dirty="0" smtClean="0"/>
+              <a:t>Konfigurace providerů je sdílena bezi moduly (včetně </a:t>
+            </a:r>
+            <a:r>
+              <a:rPr lang="cs-CZ" sz="2000" dirty="0" err="1" smtClean="0"/>
+              <a:t>root</a:t>
+            </a:r>
+            <a:r>
+              <a:rPr lang="cs-CZ" sz="2000" dirty="0" smtClean="0"/>
+              <a:t>)</a:t>
+            </a:r>
+          </a:p>
+          <a:p>
+            <a:pPr lvl="1"/>
+            <a:r>
+              <a:rPr lang="cs-CZ" sz="2000" dirty="0" smtClean="0"/>
+              <a:t>Každý modul ovšem může deklarovat vlastní providery a verze</a:t>
+            </a:r>
+          </a:p>
+          <a:p>
+            <a:pPr lvl="1"/>
+            <a:r>
+              <a:rPr lang="cs-CZ" sz="2000" dirty="0" err="1" smtClean="0"/>
               <a:t>Terraform</a:t>
             </a:r>
             <a:r>
-              <a:rPr lang="cs-CZ" sz="1800" dirty="0" smtClean="0"/>
-              <a:t> používá pro určení </a:t>
-            </a:r>
-            <a:r>
-              <a:rPr lang="cs-CZ" sz="1800" b="1" dirty="0" smtClean="0"/>
-              <a:t>správného pořadí pro </a:t>
-            </a:r>
-            <a:r>
-              <a:rPr lang="cs-CZ" sz="1800" b="1" dirty="0" err="1" smtClean="0"/>
-              <a:t>create</a:t>
-            </a:r>
-            <a:r>
-              <a:rPr lang="cs-CZ" sz="1800" b="1" dirty="0" smtClean="0"/>
-              <a:t> a </a:t>
-            </a:r>
-            <a:r>
-              <a:rPr lang="cs-CZ" sz="1800" b="1" dirty="0" err="1" smtClean="0"/>
-              <a:t>destroy</a:t>
-            </a:r>
-            <a:endParaRPr lang="cs-CZ" sz="1800" b="1" dirty="0" smtClean="0"/>
+              <a:rPr lang="cs-CZ" sz="2000" dirty="0" smtClean="0"/>
+              <a:t> hledá kompatibilní verze</a:t>
+            </a:r>
+          </a:p>
+          <a:p>
+            <a:pPr lvl="1"/>
+            <a:r>
+              <a:rPr lang="cs-CZ" sz="2000" dirty="0" smtClean="0"/>
+              <a:t>Při vývoji modulů je potřeba brát ohled na tuto kompatibilitu</a:t>
+            </a:r>
+          </a:p>
+          <a:p>
+            <a:pPr lvl="1"/>
+            <a:endParaRPr lang="cs-CZ" sz="2000" dirty="0"/>
+          </a:p>
+          <a:p>
+            <a:pPr lvl="1"/>
+            <a:r>
+              <a:rPr lang="cs-CZ" sz="2400" b="1" dirty="0" err="1"/>
+              <a:t>Version</a:t>
+            </a:r>
+            <a:r>
+              <a:rPr lang="cs-CZ" sz="2400" b="1" dirty="0"/>
+              <a:t> </a:t>
+            </a:r>
+            <a:r>
+              <a:rPr lang="cs-CZ" sz="2400" b="1" dirty="0" err="1"/>
+              <a:t>Constraint</a:t>
+            </a:r>
+            <a:r>
+              <a:rPr lang="cs-CZ" sz="2400" b="1" dirty="0"/>
+              <a:t> Syntax</a:t>
+            </a:r>
           </a:p>
           <a:p>
             <a:pPr lvl="2"/>
             <a:r>
-              <a:rPr lang="cs-CZ" sz="1400" dirty="0" smtClean="0"/>
-              <a:t>Implicitní – na základě </a:t>
-            </a:r>
-            <a:r>
-              <a:rPr lang="cs-CZ" sz="1400" dirty="0" err="1" smtClean="0"/>
-              <a:t>referencování</a:t>
-            </a:r>
-            <a:r>
-              <a:rPr lang="cs-CZ" sz="1400" dirty="0" smtClean="0"/>
-              <a:t> jednotlivých atributů </a:t>
-            </a:r>
-            <a:r>
-              <a:rPr lang="cs-CZ" sz="1400" dirty="0" err="1" smtClean="0"/>
-              <a:t>resourců</a:t>
-            </a:r>
-            <a:r>
-              <a:rPr lang="cs-CZ" sz="1400" dirty="0" smtClean="0"/>
-              <a:t> a modulů </a:t>
-            </a:r>
+              <a:rPr lang="cs-CZ" sz="1200" dirty="0">
+                <a:hlinkClick r:id="rId3"/>
+              </a:rPr>
+              <a:t>https://</a:t>
+            </a:r>
+            <a:r>
+              <a:rPr lang="cs-CZ" sz="1200" dirty="0" smtClean="0">
+                <a:hlinkClick r:id="rId3"/>
+              </a:rPr>
+              <a:t>developer.hashicorp.com/terraform/language/expressions/version-constraints</a:t>
+            </a:r>
+            <a:endParaRPr lang="cs-CZ" sz="1200" dirty="0" smtClean="0"/>
           </a:p>
           <a:p>
             <a:pPr lvl="2"/>
             <a:r>
-              <a:rPr lang="cs-CZ" sz="1400" dirty="0" smtClean="0"/>
-              <a:t>Explicitní – </a:t>
-            </a:r>
-            <a:r>
-              <a:rPr lang="cs-CZ" sz="1400" dirty="0" err="1" smtClean="0"/>
-              <a:t>depends_on</a:t>
-            </a:r>
-            <a:r>
-              <a:rPr lang="cs-CZ" sz="1400" dirty="0" smtClean="0"/>
-              <a:t>  (last </a:t>
-            </a:r>
-            <a:r>
-              <a:rPr lang="cs-CZ" sz="1400" dirty="0" err="1" smtClean="0"/>
-              <a:t>restort</a:t>
-            </a:r>
-            <a:r>
-              <a:rPr lang="cs-CZ" sz="1400" dirty="0" smtClean="0"/>
-              <a:t>)</a:t>
-            </a:r>
-          </a:p>
-          <a:p>
-            <a:pPr lvl="1"/>
-            <a:r>
-              <a:rPr lang="cs-CZ" sz="1800" dirty="0" smtClean="0"/>
-              <a:t>Jak fungují:</a:t>
+              <a:rPr lang="en-US" sz="1200" dirty="0">
+                <a:solidFill>
+                  <a:schemeClr val="accent6">
+                    <a:lumMod val="75000"/>
+                  </a:schemeClr>
+                </a:solidFill>
+                <a:latin typeface="Consolas" panose="020B0609020204030204" pitchFamily="49" charset="0"/>
+              </a:rPr>
+              <a:t>=</a:t>
+            </a:r>
+            <a:r>
+              <a:rPr lang="en-US" sz="1200" dirty="0"/>
+              <a:t> (or no operator): Allows only one exact version number. Cannot be combined with other conditions.</a:t>
             </a:r>
           </a:p>
           <a:p>
             <a:pPr lvl="2"/>
-            <a:r>
-              <a:rPr lang="cs-CZ" sz="1400" dirty="0" err="1" smtClean="0"/>
-              <a:t>Terraform</a:t>
-            </a:r>
-            <a:r>
-              <a:rPr lang="cs-CZ" sz="1400" dirty="0" smtClean="0"/>
-              <a:t> nejdříve dokončí všechny úlohy na objektu závislosti, poté na objektu deklarujícím závislost</a:t>
-            </a:r>
+            <a:endParaRPr lang="en-US" sz="1200" dirty="0"/>
           </a:p>
           <a:p>
             <a:pPr lvl="2"/>
             <a:r>
-              <a:rPr lang="cs-CZ" sz="1400" dirty="0" smtClean="0"/>
-              <a:t>Ve většině scénářů </a:t>
-            </a:r>
-            <a:r>
-              <a:rPr lang="cs-CZ" sz="1400" dirty="0" err="1" smtClean="0"/>
-              <a:t>Terraform</a:t>
-            </a:r>
-            <a:r>
-              <a:rPr lang="cs-CZ" sz="1400" dirty="0" smtClean="0"/>
-              <a:t> automaticky určí </a:t>
-            </a:r>
-            <a:r>
-              <a:rPr lang="cs-CZ" sz="1400" dirty="0" err="1" smtClean="0"/>
-              <a:t>implictiní</a:t>
-            </a:r>
-            <a:r>
-              <a:rPr lang="cs-CZ" sz="1400" dirty="0" smtClean="0"/>
-              <a:t> závislosti</a:t>
+              <a:rPr lang="en-US" sz="1200" dirty="0">
+                <a:solidFill>
+                  <a:schemeClr val="accent6">
+                    <a:lumMod val="75000"/>
+                  </a:schemeClr>
+                </a:solidFill>
+                <a:latin typeface="Consolas" panose="020B0609020204030204" pitchFamily="49" charset="0"/>
+              </a:rPr>
+              <a:t>!=</a:t>
+            </a:r>
+            <a:r>
+              <a:rPr lang="en-US" sz="1200" dirty="0"/>
+              <a:t>: Excludes an exact version number.</a:t>
             </a:r>
           </a:p>
           <a:p>
             <a:pPr lvl="2"/>
-            <a:r>
-              <a:rPr lang="cs-CZ" sz="1400" dirty="0" smtClean="0"/>
-              <a:t>Explicitní závislosti se používají zřídka, pokud </a:t>
-            </a:r>
-            <a:r>
-              <a:rPr lang="cs-CZ" sz="1400" dirty="0" err="1" smtClean="0"/>
-              <a:t>Terraform</a:t>
-            </a:r>
-            <a:r>
-              <a:rPr lang="cs-CZ" sz="1400" dirty="0" smtClean="0"/>
-              <a:t> nemůže určit implicitní závislost</a:t>
-            </a:r>
+            <a:endParaRPr lang="en-US" sz="1200" dirty="0"/>
           </a:p>
           <a:p>
             <a:pPr lvl="2"/>
             <a:r>
-              <a:rPr lang="cs-CZ" sz="1400" dirty="0" smtClean="0"/>
-              <a:t>Špatně použitý </a:t>
-            </a:r>
-            <a:r>
-              <a:rPr lang="cs-CZ" sz="1400" dirty="0" err="1" smtClean="0"/>
-              <a:t>depends</a:t>
-            </a:r>
-            <a:r>
-              <a:rPr lang="cs-CZ" sz="1400" dirty="0" err="1" smtClean="0"/>
-              <a:t>_on</a:t>
-            </a:r>
-            <a:r>
-              <a:rPr lang="cs-CZ" sz="1400" dirty="0" smtClean="0"/>
-              <a:t> může způsobit chybu v celkových závislostech</a:t>
-            </a:r>
-            <a:endParaRPr lang="cs-CZ" sz="1400" dirty="0" smtClean="0"/>
+              <a:rPr lang="en-US" sz="1200" dirty="0">
+                <a:solidFill>
+                  <a:schemeClr val="accent6">
+                    <a:lumMod val="75000"/>
+                  </a:schemeClr>
+                </a:solidFill>
+                <a:latin typeface="Consolas" panose="020B0609020204030204" pitchFamily="49" charset="0"/>
+              </a:rPr>
+              <a:t>&gt;, &gt;=, &lt;, &lt;=</a:t>
+            </a:r>
+            <a:r>
+              <a:rPr lang="en-US" sz="1200" dirty="0"/>
+              <a:t>: Comparisons against a specified version, allowing versions for which the comparison is true. "Greater-than" requests newer versions, and "less-than" requests older versions.</a:t>
+            </a:r>
+          </a:p>
+          <a:p>
+            <a:pPr lvl="2"/>
+            <a:endParaRPr lang="en-US" sz="1200" dirty="0"/>
+          </a:p>
+          <a:p>
+            <a:pPr lvl="2"/>
+            <a:r>
+              <a:rPr lang="en-US" sz="1200" dirty="0">
+                <a:solidFill>
+                  <a:schemeClr val="accent6">
+                    <a:lumMod val="75000"/>
+                  </a:schemeClr>
+                </a:solidFill>
+                <a:latin typeface="Consolas" panose="020B0609020204030204" pitchFamily="49" charset="0"/>
+              </a:rPr>
+              <a:t>~&gt;</a:t>
+            </a:r>
+            <a:r>
+              <a:rPr lang="en-US" sz="1200" dirty="0"/>
+              <a:t>: Allows only the rightmost version component to increment. This format is referred to as the pessimistic constraint operator. For example, to allow new patch releases within a specific minor release, use the full version number:</a:t>
+            </a:r>
+          </a:p>
+          <a:p>
+            <a:pPr lvl="2"/>
+            <a:endParaRPr lang="en-US" sz="1200" dirty="0"/>
+          </a:p>
+          <a:p>
+            <a:pPr lvl="2"/>
+            <a:r>
+              <a:rPr lang="en-US" sz="1200" dirty="0">
+                <a:solidFill>
+                  <a:schemeClr val="accent6">
+                    <a:lumMod val="75000"/>
+                  </a:schemeClr>
+                </a:solidFill>
+                <a:latin typeface="Consolas" panose="020B0609020204030204" pitchFamily="49" charset="0"/>
+              </a:rPr>
+              <a:t>~&gt; 1.0.4</a:t>
+            </a:r>
+            <a:r>
+              <a:rPr lang="en-US" sz="1200" dirty="0"/>
+              <a:t>: Allows Terraform to install 1.0.5 and 1.0.10 but not 1.1.0.</a:t>
+            </a:r>
+          </a:p>
+          <a:p>
+            <a:pPr lvl="2"/>
+            <a:r>
+              <a:rPr lang="en-US" sz="1200" dirty="0">
+                <a:solidFill>
+                  <a:schemeClr val="accent6">
+                    <a:lumMod val="75000"/>
+                  </a:schemeClr>
+                </a:solidFill>
+                <a:latin typeface="Consolas" panose="020B0609020204030204" pitchFamily="49" charset="0"/>
+              </a:rPr>
+              <a:t>~&gt; 1.1</a:t>
+            </a:r>
+            <a:r>
+              <a:rPr lang="en-US" sz="1200" dirty="0"/>
+              <a:t>: Allows Terraform to install 1.2 and 1.10 but not 2.0.</a:t>
+            </a:r>
+            <a:endParaRPr lang="cs-CZ" sz="1200" dirty="0" smtClean="0"/>
           </a:p>
           <a:p>
             <a:endParaRPr lang="cs-CZ" dirty="0" smtClean="0"/>
@@ -3841,7 +3898,7 @@
     </p:spTree>
     <p:extLst>
       <p:ext uri="{BB962C8B-B14F-4D97-AF65-F5344CB8AC3E}">
-        <p14:creationId xmlns:p14="http://schemas.microsoft.com/office/powerpoint/2010/main" val="1681063109"/>
+        <p14:creationId xmlns:p14="http://schemas.microsoft.com/office/powerpoint/2010/main" val="1683666477"/>
       </p:ext>
     </p:extLst>
   </p:cSld>
@@ -3932,82 +3989,154 @@
           <a:lstStyle/>
           <a:p>
             <a:r>
-              <a:rPr lang="cs-CZ" dirty="0" err="1" smtClean="0"/>
-              <a:t>Modules</a:t>
-            </a:r>
-            <a:endParaRPr lang="cs-CZ" dirty="0" smtClean="0"/>
+              <a:rPr lang="cs-CZ" dirty="0" smtClean="0"/>
+              <a:t>Závislosti</a:t>
+            </a:r>
           </a:p>
           <a:p>
             <a:pPr lvl="1"/>
             <a:r>
-              <a:rPr lang="cs-CZ" dirty="0" smtClean="0"/>
-              <a:t>(Super)</a:t>
-            </a:r>
-            <a:r>
-              <a:rPr lang="cs-CZ" dirty="0" err="1" smtClean="0"/>
-              <a:t>modules</a:t>
-            </a:r>
-            <a:r>
-              <a:rPr lang="cs-CZ" dirty="0" smtClean="0"/>
-              <a:t> pro </a:t>
-            </a:r>
-            <a:r>
-              <a:rPr lang="cs-CZ" dirty="0" err="1" smtClean="0"/>
-              <a:t>Cloud</a:t>
-            </a:r>
-            <a:r>
-              <a:rPr lang="cs-CZ" dirty="0" smtClean="0"/>
-              <a:t> providery</a:t>
-            </a:r>
-            <a:endParaRPr lang="cs-CZ" dirty="0"/>
+              <a:rPr lang="cs-CZ" sz="1800" dirty="0" err="1" smtClean="0"/>
+              <a:t>Terraform</a:t>
+            </a:r>
+            <a:r>
+              <a:rPr lang="cs-CZ" sz="1800" dirty="0" smtClean="0"/>
+              <a:t> používá pro určení </a:t>
+            </a:r>
+            <a:r>
+              <a:rPr lang="cs-CZ" sz="1800" b="1" dirty="0" smtClean="0"/>
+              <a:t>správného pořadí pro </a:t>
+            </a:r>
+            <a:r>
+              <a:rPr lang="cs-CZ" sz="1800" b="1" dirty="0" err="1" smtClean="0"/>
+              <a:t>create</a:t>
+            </a:r>
+            <a:r>
+              <a:rPr lang="cs-CZ" sz="1800" b="1" dirty="0" smtClean="0"/>
+              <a:t> a </a:t>
+            </a:r>
+            <a:r>
+              <a:rPr lang="cs-CZ" sz="1800" b="1" dirty="0" err="1" smtClean="0"/>
+              <a:t>destroy</a:t>
+            </a:r>
+            <a:endParaRPr lang="cs-CZ" sz="1800" b="1" dirty="0" smtClean="0"/>
           </a:p>
           <a:p>
             <a:pPr lvl="2"/>
             <a:r>
-              <a:rPr lang="cs-CZ" dirty="0">
-                <a:hlinkClick r:id="rId3"/>
-              </a:rPr>
-              <a:t>https://</a:t>
-            </a:r>
-            <a:r>
-              <a:rPr lang="cs-CZ" dirty="0" smtClean="0">
-                <a:hlinkClick r:id="rId3"/>
-              </a:rPr>
-              <a:t>github.com/terraform-aws-modules</a:t>
-            </a:r>
-            <a:endParaRPr lang="cs-CZ" dirty="0" smtClean="0"/>
+              <a:rPr lang="cs-CZ" sz="1400" dirty="0" smtClean="0"/>
+              <a:t>Implicitní – na základě </a:t>
+            </a:r>
+            <a:r>
+              <a:rPr lang="cs-CZ" sz="1400" dirty="0" err="1" smtClean="0"/>
+              <a:t>referencování</a:t>
+            </a:r>
+            <a:r>
+              <a:rPr lang="cs-CZ" sz="1400" dirty="0" smtClean="0"/>
+              <a:t> jednotlivých atributů </a:t>
+            </a:r>
+            <a:r>
+              <a:rPr lang="cs-CZ" sz="1400" dirty="0" err="1" smtClean="0"/>
+              <a:t>resourců</a:t>
+            </a:r>
+            <a:r>
+              <a:rPr lang="cs-CZ" sz="1400" dirty="0" smtClean="0"/>
+              <a:t> a modulů </a:t>
+            </a:r>
           </a:p>
           <a:p>
             <a:pPr lvl="2"/>
             <a:r>
-              <a:rPr lang="cs-CZ" dirty="0">
-                <a:hlinkClick r:id="rId4"/>
-              </a:rPr>
-              <a:t>https://</a:t>
-            </a:r>
-            <a:r>
-              <a:rPr lang="cs-CZ" dirty="0" smtClean="0">
-                <a:hlinkClick r:id="rId4"/>
-              </a:rPr>
-              <a:t>github.com/terraform-google-modules</a:t>
-            </a:r>
-            <a:endParaRPr lang="cs-CZ" dirty="0" smtClean="0"/>
+              <a:rPr lang="cs-CZ" sz="1400" dirty="0" smtClean="0"/>
+              <a:t>Explicitní – </a:t>
+            </a:r>
+            <a:r>
+              <a:rPr lang="cs-CZ" sz="1400" dirty="0" err="1" smtClean="0"/>
+              <a:t>depends_on</a:t>
+            </a:r>
+            <a:r>
+              <a:rPr lang="cs-CZ" sz="1400" dirty="0" smtClean="0"/>
+              <a:t>  (last </a:t>
+            </a:r>
+            <a:r>
+              <a:rPr lang="cs-CZ" sz="1400" dirty="0" err="1" smtClean="0"/>
+              <a:t>restort</a:t>
+            </a:r>
+            <a:r>
+              <a:rPr lang="cs-CZ" sz="1400" dirty="0" smtClean="0"/>
+              <a:t>)</a:t>
+            </a:r>
+          </a:p>
+          <a:p>
+            <a:pPr lvl="1"/>
+            <a:r>
+              <a:rPr lang="cs-CZ" sz="1800" dirty="0" smtClean="0"/>
+              <a:t>Jak fungují:</a:t>
+            </a:r>
           </a:p>
           <a:p>
             <a:pPr lvl="2"/>
             <a:r>
-              <a:rPr lang="cs-CZ" dirty="0">
-                <a:hlinkClick r:id="rId5"/>
-              </a:rPr>
-              <a:t>https://</a:t>
-            </a:r>
-            <a:r>
-              <a:rPr lang="cs-CZ" dirty="0" smtClean="0">
-                <a:hlinkClick r:id="rId5"/>
-              </a:rPr>
-              <a:t>github.com/aztfmod/terraform-azurerm-caf</a:t>
-            </a:r>
-            <a:endParaRPr lang="cs-CZ" dirty="0" smtClean="0"/>
+              <a:rPr lang="cs-CZ" sz="1400" dirty="0" err="1" smtClean="0"/>
+              <a:t>Terraform</a:t>
+            </a:r>
+            <a:r>
+              <a:rPr lang="cs-CZ" sz="1400" dirty="0" smtClean="0"/>
+              <a:t> nejdříve dokončí všechny úlohy na objektu závislosti, poté na objektu deklarujícím závislost</a:t>
+            </a:r>
+          </a:p>
+          <a:p>
+            <a:pPr lvl="2"/>
+            <a:r>
+              <a:rPr lang="cs-CZ" sz="1400" dirty="0" smtClean="0"/>
+              <a:t>Ve většině scénářů </a:t>
+            </a:r>
+            <a:r>
+              <a:rPr lang="cs-CZ" sz="1400" dirty="0" err="1" smtClean="0"/>
+              <a:t>Terraform</a:t>
+            </a:r>
+            <a:r>
+              <a:rPr lang="cs-CZ" sz="1400" dirty="0" smtClean="0"/>
+              <a:t> automaticky určí </a:t>
+            </a:r>
+            <a:r>
+              <a:rPr lang="cs-CZ" sz="1400" dirty="0" err="1" smtClean="0"/>
+              <a:t>implictiní</a:t>
+            </a:r>
+            <a:r>
+              <a:rPr lang="cs-CZ" sz="1400" dirty="0" smtClean="0"/>
+              <a:t> závislosti</a:t>
+            </a:r>
+          </a:p>
+          <a:p>
+            <a:pPr lvl="2"/>
+            <a:r>
+              <a:rPr lang="cs-CZ" sz="1400" dirty="0" smtClean="0"/>
+              <a:t>Explicitní závislosti se používají zřídka, pokud </a:t>
+            </a:r>
+            <a:r>
+              <a:rPr lang="cs-CZ" sz="1400" dirty="0" err="1" smtClean="0"/>
+              <a:t>Terraform</a:t>
+            </a:r>
+            <a:r>
+              <a:rPr lang="cs-CZ" sz="1400" dirty="0" smtClean="0"/>
+              <a:t> nemůže určit implicitní závislost</a:t>
+            </a:r>
+          </a:p>
+          <a:p>
+            <a:pPr lvl="2"/>
+            <a:r>
+              <a:rPr lang="cs-CZ" sz="1400" dirty="0" smtClean="0"/>
+              <a:t>Špatně použitý </a:t>
+            </a:r>
+            <a:r>
+              <a:rPr lang="cs-CZ" sz="1400" dirty="0" err="1" smtClean="0"/>
+              <a:t>depends_on</a:t>
+            </a:r>
+            <a:r>
+              <a:rPr lang="cs-CZ" sz="1400" dirty="0" smtClean="0"/>
+              <a:t> může způsobit chybu v celkových závislostech</a:t>
+            </a:r>
           </a:p>
           <a:p>
             <a:endParaRPr lang="cs-CZ" dirty="0" smtClean="0"/>
@@ -4017,7 +4146,7 @@
     </p:spTree>
     <p:extLst>
       <p:ext uri="{BB962C8B-B14F-4D97-AF65-F5344CB8AC3E}">
-        <p14:creationId xmlns:p14="http://schemas.microsoft.com/office/powerpoint/2010/main" val="1690889971"/>
+        <p14:creationId xmlns:p14="http://schemas.microsoft.com/office/powerpoint/2010/main" val="1681063109"/>
       </p:ext>
     </p:extLst>
   </p:cSld>
@@ -4108,6 +4237,182 @@
           <a:lstStyle/>
           <a:p>
             <a:r>
+              <a:rPr lang="cs-CZ" dirty="0" err="1" smtClean="0"/>
+              <a:t>Modules</a:t>
+            </a:r>
+            <a:endParaRPr lang="cs-CZ" dirty="0" smtClean="0"/>
+          </a:p>
+          <a:p>
+            <a:pPr lvl="1"/>
+            <a:r>
+              <a:rPr lang="cs-CZ" dirty="0" smtClean="0"/>
+              <a:t>(Super)</a:t>
+            </a:r>
+            <a:r>
+              <a:rPr lang="cs-CZ" dirty="0" err="1" smtClean="0"/>
+              <a:t>modules</a:t>
+            </a:r>
+            <a:r>
+              <a:rPr lang="cs-CZ" dirty="0" smtClean="0"/>
+              <a:t> pro </a:t>
+            </a:r>
+            <a:r>
+              <a:rPr lang="cs-CZ" dirty="0" err="1" smtClean="0"/>
+              <a:t>Cloud</a:t>
+            </a:r>
+            <a:r>
+              <a:rPr lang="cs-CZ" dirty="0" smtClean="0"/>
+              <a:t> providery</a:t>
+            </a:r>
+            <a:endParaRPr lang="cs-CZ" dirty="0"/>
+          </a:p>
+          <a:p>
+            <a:pPr lvl="2"/>
+            <a:r>
+              <a:rPr lang="cs-CZ" dirty="0">
+                <a:hlinkClick r:id="rId3"/>
+              </a:rPr>
+              <a:t>https://</a:t>
+            </a:r>
+            <a:r>
+              <a:rPr lang="cs-CZ" dirty="0" smtClean="0">
+                <a:hlinkClick r:id="rId3"/>
+              </a:rPr>
+              <a:t>github.com/terraform-aws-modules</a:t>
+            </a:r>
+            <a:endParaRPr lang="cs-CZ" dirty="0" smtClean="0"/>
+          </a:p>
+          <a:p>
+            <a:pPr lvl="2"/>
+            <a:r>
+              <a:rPr lang="cs-CZ" dirty="0">
+                <a:hlinkClick r:id="rId4"/>
+              </a:rPr>
+              <a:t>https://</a:t>
+            </a:r>
+            <a:r>
+              <a:rPr lang="cs-CZ" dirty="0" smtClean="0">
+                <a:hlinkClick r:id="rId4"/>
+              </a:rPr>
+              <a:t>github.com/terraform-google-modules</a:t>
+            </a:r>
+            <a:endParaRPr lang="cs-CZ" dirty="0" smtClean="0"/>
+          </a:p>
+          <a:p>
+            <a:pPr lvl="2"/>
+            <a:r>
+              <a:rPr lang="cs-CZ" dirty="0">
+                <a:hlinkClick r:id="rId5"/>
+              </a:rPr>
+              <a:t>https://</a:t>
+            </a:r>
+            <a:r>
+              <a:rPr lang="cs-CZ" dirty="0" smtClean="0">
+                <a:hlinkClick r:id="rId5"/>
+              </a:rPr>
+              <a:t>github.com/aztfmod/terraform-azurerm-caf</a:t>
+            </a:r>
+            <a:endParaRPr lang="cs-CZ" dirty="0" smtClean="0"/>
+          </a:p>
+          <a:p>
+            <a:endParaRPr lang="cs-CZ" dirty="0" smtClean="0"/>
+          </a:p>
+        </p:txBody>
+      </p:sp>
+    </p:spTree>
+    <p:extLst>
+      <p:ext uri="{BB962C8B-B14F-4D97-AF65-F5344CB8AC3E}">
+        <p14:creationId xmlns:p14="http://schemas.microsoft.com/office/powerpoint/2010/main" val="1690889971"/>
+      </p:ext>
+    </p:extLst>
+  </p:cSld>
+  <p:clrMapOvr>
+    <a:masterClrMapping/>
+  </p:clrMapOvr>
+  <p:timing>
+    <p:tnLst>
+      <p:par>
+        <p:cTn id="1" dur="indefinite" restart="never" nodeType="tmRoot"/>
+      </p:par>
+    </p:tnLst>
+  </p:timing>
+</p:sld>
+</file>
+
+<file path=ppt/slides/slide13.xml><?xml version="1.0" encoding="utf-8"?>
+<p:sld xmlns:a="http://schemas.openxmlformats.org/drawingml/2006/main" xmlns:r="http://schemas.openxmlformats.org/officeDocument/2006/relationships" xmlns:p="http://schemas.openxmlformats.org/presentationml/2006/main">
+  <p:cSld>
+    <p:spTree>
+      <p:nvGrpSpPr>
+        <p:cNvPr id="1" name=""/>
+        <p:cNvGrpSpPr/>
+        <p:nvPr/>
+      </p:nvGrpSpPr>
+      <p:grpSpPr>
+        <a:xfrm>
+          <a:off x="0" y="0"/>
+          <a:ext cx="0" cy="0"/>
+          <a:chOff x="0" y="0"/>
+          <a:chExt cx="0" cy="0"/>
+        </a:xfrm>
+      </p:grpSpPr>
+      <p:pic>
+        <p:nvPicPr>
+          <p:cNvPr id="11" name="Obrázek 10">
+            <a:extLst>
+              <a:ext uri="{FF2B5EF4-FFF2-40B4-BE49-F238E27FC236}">
+                <a16:creationId xmlns:a16="http://schemas.microsoft.com/office/drawing/2014/main" id="{4FF4A0B8-B6D8-13AE-15A1-4B15C9EB02F7}"/>
+              </a:ext>
+            </a:extLst>
+          </p:cNvPr>
+          <p:cNvPicPr>
+            <a:picLocks noChangeAspect="1"/>
+          </p:cNvPicPr>
+          <p:nvPr/>
+        </p:nvPicPr>
+        <p:blipFill>
+          <a:blip r:embed="rId2" cstate="print">
+            <a:extLst>
+              <a:ext uri="{28A0092B-C50C-407E-A947-70E740481C1C}">
+                <a14:useLocalDpi xmlns:a14="http://schemas.microsoft.com/office/drawing/2010/main" val="0"/>
+              </a:ext>
+            </a:extLst>
+          </a:blip>
+          <a:stretch>
+            <a:fillRect/>
+          </a:stretch>
+        </p:blipFill>
+        <p:spPr>
+          <a:xfrm>
+            <a:off x="456285" y="166136"/>
+            <a:ext cx="2315515" cy="434160"/>
+          </a:xfrm>
+          <a:prstGeom prst="rect">
+            <a:avLst/>
+          </a:prstGeom>
+        </p:spPr>
+      </p:pic>
+      <p:sp>
+        <p:nvSpPr>
+          <p:cNvPr id="3" name="Zástupný symbol pro text 8"/>
+          <p:cNvSpPr>
+            <a:spLocks noGrp="1"/>
+          </p:cNvSpPr>
+          <p:nvPr>
+            <p:ph type="body" idx="1"/>
+          </p:nvPr>
+        </p:nvSpPr>
+        <p:spPr>
+          <a:xfrm>
+            <a:off x="457200" y="600296"/>
+            <a:ext cx="8229600" cy="5853040"/>
+          </a:xfrm>
+        </p:spPr>
+        <p:txBody>
+          <a:bodyPr/>
+          <a:lstStyle/>
+          <a:p>
+            <a:r>
               <a:rPr lang="cs-CZ" dirty="0" smtClean="0"/>
               <a:t>Úkol</a:t>
             </a:r>
@@ -4124,11 +4429,7 @@
             </a:r>
             <a:r>
               <a:rPr lang="cs-CZ" dirty="0" smtClean="0"/>
-              <a:t>, </a:t>
-            </a:r>
-            <a:r>
-              <a:rPr lang="cs-CZ" dirty="0" smtClean="0"/>
-              <a:t>použití, oprava závislostí z explicitní </a:t>
+              <a:t>, použití, oprava závislostí z explicitní </a:t>
             </a:r>
             <a:r>
               <a:rPr lang="cs-CZ" smtClean="0"/>
@@ -5449,702 +5750,89 @@
           </a:xfrm>
         </p:spPr>
         <p:txBody>
-          <a:bodyPr>
-            <a:normAutofit/>
-          </a:bodyPr>
+          <a:bodyPr/>
           <a:lstStyle/>
           <a:p>
             <a:r>
               <a:rPr lang="cs-CZ" dirty="0" smtClean="0"/>
-              <a:t>Module </a:t>
-            </a:r>
-            <a:r>
-              <a:rPr lang="cs-CZ" dirty="0" err="1" smtClean="0"/>
-              <a:t>block</a:t>
-            </a:r>
-            <a:endParaRPr lang="cs-CZ" dirty="0"/>
-          </a:p>
-          <a:p>
-            <a:endParaRPr lang="cs-CZ" sz="1700" dirty="0"/>
-          </a:p>
-          <a:p>
-            <a:pPr marL="400050" lvl="1" indent="0">
+              <a:t>Příklad modulu</a:t>
+            </a:r>
+            <a:endParaRPr lang="cs-CZ" dirty="0" smtClean="0"/>
+          </a:p>
+          <a:p>
+            <a:pPr marL="914400" lvl="2" indent="0">
               <a:buNone/>
             </a:pPr>
             <a:r>
-              <a:rPr lang="cs-CZ" sz="1300" dirty="0" smtClean="0">
-                <a:latin typeface="Consolas" panose="020B0609020204030204" pitchFamily="49" charset="0"/>
-              </a:rPr>
-              <a:t>module </a:t>
-            </a:r>
-            <a:r>
-              <a:rPr lang="cs-CZ" sz="1400" dirty="0">
-                <a:solidFill>
-                  <a:schemeClr val="accent6">
-                    <a:lumMod val="75000"/>
-                  </a:schemeClr>
-                </a:solidFill>
-                <a:latin typeface="Consolas" panose="020B0609020204030204" pitchFamily="49" charset="0"/>
-              </a:rPr>
-              <a:t>"</a:t>
-            </a:r>
-            <a:r>
-              <a:rPr lang="cs-CZ" sz="1400" dirty="0" err="1" smtClean="0">
-                <a:solidFill>
-                  <a:schemeClr val="accent6">
-                    <a:lumMod val="75000"/>
-                  </a:schemeClr>
-                </a:solidFill>
-                <a:latin typeface="Consolas" panose="020B0609020204030204" pitchFamily="49" charset="0"/>
-              </a:rPr>
-              <a:t>databases</a:t>
-            </a:r>
-            <a:r>
-              <a:rPr lang="cs-CZ" sz="1400" dirty="0">
-                <a:solidFill>
-                  <a:schemeClr val="accent6">
-                    <a:lumMod val="75000"/>
-                  </a:schemeClr>
-                </a:solidFill>
-                <a:latin typeface="Consolas" panose="020B0609020204030204" pitchFamily="49" charset="0"/>
-              </a:rPr>
-              <a:t>"</a:t>
-            </a:r>
-            <a:r>
-              <a:rPr lang="cs-CZ" sz="1400" dirty="0" smtClean="0">
-                <a:solidFill>
-                  <a:schemeClr val="accent6">
-                    <a:lumMod val="75000"/>
-                  </a:schemeClr>
-                </a:solidFill>
-                <a:latin typeface="Consolas" panose="020B0609020204030204" pitchFamily="49" charset="0"/>
-              </a:rPr>
-              <a:t> { </a:t>
-            </a:r>
-          </a:p>
-          <a:p>
-            <a:pPr marL="400050" lvl="1" indent="0">
+              <a:rPr lang="cs-CZ" sz="1400" dirty="0" smtClean="0"/>
+              <a:t/>
+            </a:r>
+            <a:br>
+              <a:rPr lang="cs-CZ" sz="1400" dirty="0" smtClean="0"/>
+            </a:br>
+            <a:r>
+              <a:rPr lang="cs-CZ" sz="1400" dirty="0" smtClean="0"/>
+              <a:t/>
+            </a:r>
+            <a:br>
+              <a:rPr lang="cs-CZ" sz="1400" dirty="0" smtClean="0"/>
+            </a:br>
+            <a:r>
+              <a:rPr lang="cs-CZ" sz="1400" dirty="0" smtClean="0"/>
+              <a:t/>
+            </a:r>
+            <a:br>
+              <a:rPr lang="cs-CZ" sz="1400" dirty="0" smtClean="0"/>
+            </a:br>
+            <a:r>
+              <a:rPr lang="cs-CZ" sz="1400" dirty="0" smtClean="0"/>
+              <a:t/>
+            </a:r>
+            <a:br>
+              <a:rPr lang="cs-CZ" sz="1400" dirty="0" smtClean="0"/>
+            </a:br>
+            <a:endParaRPr lang="cs-CZ" sz="1400" dirty="0" smtClean="0"/>
+          </a:p>
+          <a:p>
+            <a:pPr lvl="1"/>
+            <a:endParaRPr lang="cs-CZ" sz="1800" dirty="0" smtClean="0"/>
+          </a:p>
+          <a:p>
+            <a:pPr marL="914400" lvl="2" indent="0">
               <a:buNone/>
             </a:pPr>
-            <a:r>
-              <a:rPr lang="cs-CZ" sz="1400" dirty="0" smtClean="0">
-                <a:solidFill>
-                  <a:schemeClr val="accent6">
-                    <a:lumMod val="75000"/>
-                  </a:schemeClr>
-                </a:solidFill>
-                <a:latin typeface="Consolas" panose="020B0609020204030204" pitchFamily="49" charset="0"/>
-              </a:rPr>
-              <a:t>	</a:t>
-            </a:r>
-            <a:r>
-              <a:rPr lang="cs-CZ" sz="1400" dirty="0" err="1" smtClean="0">
-                <a:solidFill>
-                  <a:schemeClr val="accent6">
-                    <a:lumMod val="75000"/>
-                  </a:schemeClr>
-                </a:solidFill>
-                <a:latin typeface="Consolas" panose="020B0609020204030204" pitchFamily="49" charset="0"/>
-              </a:rPr>
-              <a:t>count</a:t>
-            </a:r>
-            <a:r>
-              <a:rPr lang="cs-CZ" sz="1400" dirty="0" smtClean="0">
-                <a:solidFill>
-                  <a:schemeClr val="accent6">
-                    <a:lumMod val="75000"/>
-                  </a:schemeClr>
-                </a:solidFill>
-                <a:latin typeface="Consolas" panose="020B0609020204030204" pitchFamily="49" charset="0"/>
-              </a:rPr>
-              <a:t>   = 1</a:t>
-            </a:r>
-          </a:p>
-          <a:p>
-            <a:pPr marL="400050" lvl="1" indent="0">
-              <a:buNone/>
-            </a:pPr>
-            <a:r>
-              <a:rPr lang="cs-CZ" sz="1400" dirty="0">
-                <a:solidFill>
-                  <a:schemeClr val="accent6">
-                    <a:lumMod val="75000"/>
-                  </a:schemeClr>
-                </a:solidFill>
-                <a:latin typeface="Consolas" panose="020B0609020204030204" pitchFamily="49" charset="0"/>
-              </a:rPr>
-              <a:t>	</a:t>
-            </a:r>
-            <a:r>
-              <a:rPr lang="cs-CZ" sz="1400" dirty="0" smtClean="0">
-                <a:solidFill>
-                  <a:schemeClr val="accent6">
-                    <a:lumMod val="75000"/>
-                  </a:schemeClr>
-                </a:solidFill>
-                <a:latin typeface="Consolas" panose="020B0609020204030204" pitchFamily="49" charset="0"/>
-              </a:rPr>
-              <a:t>source  = </a:t>
-            </a:r>
-            <a:r>
-              <a:rPr lang="cs-CZ" sz="1400" dirty="0">
-                <a:solidFill>
-                  <a:schemeClr val="accent6">
-                    <a:lumMod val="75000"/>
-                  </a:schemeClr>
-                </a:solidFill>
-                <a:latin typeface="Consolas" panose="020B0609020204030204" pitchFamily="49" charset="0"/>
-              </a:rPr>
-              <a:t>"</a:t>
-            </a:r>
-            <a:r>
-              <a:rPr lang="cs-CZ" sz="1400" dirty="0" smtClean="0">
-                <a:solidFill>
-                  <a:schemeClr val="accent6">
-                    <a:lumMod val="75000"/>
-                  </a:schemeClr>
-                </a:solidFill>
-                <a:latin typeface="Consolas" panose="020B0609020204030204" pitchFamily="49" charset="0"/>
-              </a:rPr>
-              <a:t>../</a:t>
-            </a:r>
-            <a:r>
-              <a:rPr lang="cs-CZ" sz="1400" dirty="0" err="1" smtClean="0">
-                <a:solidFill>
-                  <a:schemeClr val="accent6">
-                    <a:lumMod val="75000"/>
-                  </a:schemeClr>
-                </a:solidFill>
-                <a:latin typeface="Consolas" panose="020B0609020204030204" pitchFamily="49" charset="0"/>
-              </a:rPr>
-              <a:t>modules</a:t>
-            </a:r>
-            <a:r>
-              <a:rPr lang="cs-CZ" sz="1400" dirty="0" smtClean="0">
-                <a:solidFill>
-                  <a:schemeClr val="accent6">
-                    <a:lumMod val="75000"/>
-                  </a:schemeClr>
-                </a:solidFill>
-                <a:latin typeface="Consolas" panose="020B0609020204030204" pitchFamily="49" charset="0"/>
-              </a:rPr>
-              <a:t>/</a:t>
-            </a:r>
-            <a:r>
-              <a:rPr lang="cs-CZ" sz="1400" dirty="0" err="1" smtClean="0">
-                <a:solidFill>
-                  <a:schemeClr val="accent6">
-                    <a:lumMod val="75000"/>
-                  </a:schemeClr>
-                </a:solidFill>
-                <a:latin typeface="Consolas" panose="020B0609020204030204" pitchFamily="49" charset="0"/>
-              </a:rPr>
-              <a:t>db</a:t>
-            </a:r>
-            <a:r>
-              <a:rPr lang="cs-CZ" sz="1400" dirty="0">
-                <a:solidFill>
-                  <a:schemeClr val="accent6">
-                    <a:lumMod val="75000"/>
-                  </a:schemeClr>
-                </a:solidFill>
-                <a:latin typeface="Consolas" panose="020B0609020204030204" pitchFamily="49" charset="0"/>
-              </a:rPr>
-              <a:t>"</a:t>
-            </a:r>
-            <a:endParaRPr lang="cs-CZ" sz="1400" dirty="0" smtClean="0">
-              <a:solidFill>
-                <a:schemeClr val="accent6">
-                  <a:lumMod val="75000"/>
-                </a:schemeClr>
-              </a:solidFill>
-              <a:latin typeface="Consolas" panose="020B0609020204030204" pitchFamily="49" charset="0"/>
-            </a:endParaRPr>
-          </a:p>
-          <a:p>
-            <a:pPr marL="400050" lvl="1" indent="0">
-              <a:buNone/>
-            </a:pPr>
-            <a:r>
-              <a:rPr lang="cs-CZ" sz="1400" dirty="0" smtClean="0">
-                <a:solidFill>
-                  <a:schemeClr val="accent6">
-                    <a:lumMod val="75000"/>
-                  </a:schemeClr>
-                </a:solidFill>
-                <a:latin typeface="Consolas" panose="020B0609020204030204" pitchFamily="49" charset="0"/>
-              </a:rPr>
-              <a:t>	</a:t>
-            </a:r>
-            <a:r>
-              <a:rPr lang="cs-CZ" sz="1400" dirty="0" err="1" smtClean="0">
-                <a:solidFill>
-                  <a:schemeClr val="accent6">
-                    <a:lumMod val="75000"/>
-                  </a:schemeClr>
-                </a:solidFill>
-                <a:latin typeface="Consolas" panose="020B0609020204030204" pitchFamily="49" charset="0"/>
-              </a:rPr>
-              <a:t>version</a:t>
-            </a:r>
-            <a:r>
-              <a:rPr lang="cs-CZ" sz="1400" dirty="0" smtClean="0">
-                <a:solidFill>
-                  <a:schemeClr val="accent6">
-                    <a:lumMod val="75000"/>
-                  </a:schemeClr>
-                </a:solidFill>
-                <a:latin typeface="Consolas" panose="020B0609020204030204" pitchFamily="49" charset="0"/>
-              </a:rPr>
-              <a:t> = </a:t>
-            </a:r>
-            <a:r>
-              <a:rPr lang="cs-CZ" sz="1400" dirty="0">
-                <a:solidFill>
-                  <a:schemeClr val="accent6">
-                    <a:lumMod val="75000"/>
-                  </a:schemeClr>
-                </a:solidFill>
-                <a:latin typeface="Consolas" panose="020B0609020204030204" pitchFamily="49" charset="0"/>
-              </a:rPr>
-              <a:t>"</a:t>
-            </a:r>
-            <a:r>
-              <a:rPr lang="cs-CZ" sz="1400" dirty="0" smtClean="0">
-                <a:solidFill>
-                  <a:schemeClr val="accent6">
-                    <a:lumMod val="75000"/>
-                  </a:schemeClr>
-                </a:solidFill>
-                <a:latin typeface="Consolas" panose="020B0609020204030204" pitchFamily="49" charset="0"/>
-              </a:rPr>
-              <a:t>1.0.0</a:t>
-            </a:r>
-            <a:r>
-              <a:rPr lang="cs-CZ" sz="1400" dirty="0">
-                <a:solidFill>
-                  <a:schemeClr val="accent6">
-                    <a:lumMod val="75000"/>
-                  </a:schemeClr>
-                </a:solidFill>
-                <a:latin typeface="Consolas" panose="020B0609020204030204" pitchFamily="49" charset="0"/>
-              </a:rPr>
-              <a:t>"</a:t>
-            </a:r>
-            <a:r>
-              <a:rPr lang="cs-CZ" sz="1400" dirty="0" smtClean="0">
-                <a:solidFill>
-                  <a:schemeClr val="accent6">
-                    <a:lumMod val="75000"/>
-                  </a:schemeClr>
-                </a:solidFill>
-                <a:latin typeface="Consolas" panose="020B0609020204030204" pitchFamily="49" charset="0"/>
-              </a:rPr>
-              <a:t> </a:t>
-            </a:r>
-          </a:p>
-          <a:p>
-            <a:pPr marL="400050" lvl="1" indent="0">
-              <a:buNone/>
-            </a:pPr>
-            <a:r>
-              <a:rPr lang="cs-CZ" sz="1400" dirty="0">
-                <a:solidFill>
-                  <a:schemeClr val="accent6">
-                    <a:lumMod val="75000"/>
-                  </a:schemeClr>
-                </a:solidFill>
-                <a:latin typeface="Consolas" panose="020B0609020204030204" pitchFamily="49" charset="0"/>
-              </a:rPr>
-              <a:t>	</a:t>
-            </a:r>
-            <a:endParaRPr lang="cs-CZ" sz="1400" dirty="0" smtClean="0">
-              <a:solidFill>
-                <a:schemeClr val="accent6">
-                  <a:lumMod val="75000"/>
-                </a:schemeClr>
-              </a:solidFill>
-              <a:latin typeface="Consolas" panose="020B0609020204030204" pitchFamily="49" charset="0"/>
-            </a:endParaRPr>
-          </a:p>
-          <a:p>
-            <a:pPr marL="400050" lvl="1" indent="0">
-              <a:buNone/>
-            </a:pPr>
-            <a:r>
-              <a:rPr lang="cs-CZ" sz="1400" dirty="0">
-                <a:solidFill>
-                  <a:schemeClr val="accent6">
-                    <a:lumMod val="75000"/>
-                  </a:schemeClr>
-                </a:solidFill>
-                <a:latin typeface="Consolas" panose="020B0609020204030204" pitchFamily="49" charset="0"/>
-              </a:rPr>
-              <a:t>	</a:t>
-            </a:r>
-            <a:r>
-              <a:rPr lang="cs-CZ" sz="1400" dirty="0" err="1" smtClean="0">
-                <a:solidFill>
-                  <a:schemeClr val="accent6">
-                    <a:lumMod val="75000"/>
-                  </a:schemeClr>
-                </a:solidFill>
-                <a:latin typeface="Consolas" panose="020B0609020204030204" pitchFamily="49" charset="0"/>
-              </a:rPr>
-              <a:t>name</a:t>
-            </a:r>
-            <a:r>
-              <a:rPr lang="cs-CZ" sz="1400" dirty="0" smtClean="0">
-                <a:solidFill>
-                  <a:schemeClr val="accent6">
-                    <a:lumMod val="75000"/>
-                  </a:schemeClr>
-                </a:solidFill>
-                <a:latin typeface="Consolas" panose="020B0609020204030204" pitchFamily="49" charset="0"/>
-              </a:rPr>
-              <a:t> = </a:t>
-            </a:r>
-            <a:r>
-              <a:rPr lang="cs-CZ" sz="1400" dirty="0">
-                <a:solidFill>
-                  <a:schemeClr val="accent6">
-                    <a:lumMod val="75000"/>
-                  </a:schemeClr>
-                </a:solidFill>
-                <a:latin typeface="Consolas" panose="020B0609020204030204" pitchFamily="49" charset="0"/>
-              </a:rPr>
-              <a:t>"</a:t>
-            </a:r>
-            <a:r>
-              <a:rPr lang="cs-CZ" sz="1400" dirty="0" err="1" smtClean="0">
-                <a:solidFill>
-                  <a:schemeClr val="accent6">
-                    <a:lumMod val="75000"/>
-                  </a:schemeClr>
-                </a:solidFill>
-                <a:latin typeface="Consolas" panose="020B0609020204030204" pitchFamily="49" charset="0"/>
-              </a:rPr>
-              <a:t>dbname</a:t>
-            </a:r>
-            <a:r>
-              <a:rPr lang="cs-CZ" sz="1400" dirty="0" smtClean="0">
-                <a:solidFill>
-                  <a:schemeClr val="accent6">
-                    <a:lumMod val="75000"/>
-                  </a:schemeClr>
-                </a:solidFill>
-                <a:latin typeface="Consolas" panose="020B0609020204030204" pitchFamily="49" charset="0"/>
-              </a:rPr>
-              <a:t>"  </a:t>
-            </a:r>
-            <a:endParaRPr lang="cs-CZ" sz="1400" dirty="0">
-              <a:solidFill>
-                <a:schemeClr val="accent6">
-                  <a:lumMod val="75000"/>
-                </a:schemeClr>
-              </a:solidFill>
-              <a:latin typeface="Consolas" panose="020B0609020204030204" pitchFamily="49" charset="0"/>
-            </a:endParaRPr>
-          </a:p>
-          <a:p>
-            <a:pPr marL="400050" lvl="1" indent="0">
-              <a:buNone/>
-            </a:pPr>
-            <a:r>
-              <a:rPr lang="cs-CZ" sz="1400" dirty="0" smtClean="0">
-                <a:solidFill>
-                  <a:schemeClr val="accent6">
-                    <a:lumMod val="75000"/>
-                  </a:schemeClr>
-                </a:solidFill>
-                <a:latin typeface="Consolas" panose="020B0609020204030204" pitchFamily="49" charset="0"/>
-              </a:rPr>
-              <a:t>}</a:t>
-            </a:r>
-            <a:r>
-              <a:rPr lang="cs-CZ" sz="1300" dirty="0" smtClean="0"/>
-              <a:t/>
-            </a:r>
-            <a:br>
-              <a:rPr lang="cs-CZ" sz="1300" dirty="0" smtClean="0"/>
-            </a:br>
-            <a:r>
-              <a:rPr lang="cs-CZ" sz="600" dirty="0" smtClean="0"/>
-              <a:t/>
-            </a:r>
-            <a:br>
-              <a:rPr lang="cs-CZ" sz="600" dirty="0" smtClean="0"/>
-            </a:br>
-            <a:endParaRPr lang="cs-CZ" sz="600" dirty="0" smtClean="0"/>
-          </a:p>
-        </p:txBody>
-      </p:sp>
-      <p:sp>
-        <p:nvSpPr>
-          <p:cNvPr id="2" name="Šipka doprava 1"/>
-          <p:cNvSpPr/>
+            <a:endParaRPr lang="cs-CZ" sz="1400" dirty="0" smtClean="0"/>
+          </a:p>
+        </p:txBody>
+      </p:sp>
+      <p:pic>
+        <p:nvPicPr>
+          <p:cNvPr id="2" name="Obrázek 1"/>
+          <p:cNvPicPr>
+            <a:picLocks noChangeAspect="1"/>
+          </p:cNvPicPr>
           <p:nvPr/>
-        </p:nvSpPr>
+        </p:nvPicPr>
+        <p:blipFill>
+          <a:blip r:embed="rId3"/>
+          <a:stretch>
+            <a:fillRect/>
+          </a:stretch>
+        </p:blipFill>
         <p:spPr>
           <a:xfrm>
-            <a:off x="3419872" y="1582851"/>
-            <a:ext cx="1800200" cy="45719"/>
-          </a:xfrm>
-          <a:prstGeom prst="rightArrow">
-            <a:avLst/>
-          </a:prstGeom>
-        </p:spPr>
-        <p:style>
-          <a:lnRef idx="2">
-            <a:schemeClr val="accent1">
-              <a:shade val="50000"/>
-            </a:schemeClr>
-          </a:lnRef>
-          <a:fillRef idx="1">
-            <a:schemeClr val="accent1"/>
-          </a:fillRef>
-          <a:effectRef idx="0">
-            <a:schemeClr val="accent1"/>
-          </a:effectRef>
-          <a:fontRef idx="minor">
-            <a:schemeClr val="lt1"/>
-          </a:fontRef>
-        </p:style>
-        <p:txBody>
-          <a:bodyPr rtlCol="0" anchor="ctr"/>
-          <a:lstStyle/>
-          <a:p>
-            <a:pPr algn="ctr"/>
-            <a:endParaRPr lang="cs-CZ"/>
-          </a:p>
-        </p:txBody>
-      </p:sp>
-      <p:sp>
-        <p:nvSpPr>
-          <p:cNvPr id="4" name="Šipka doprava 3"/>
-          <p:cNvSpPr/>
-          <p:nvPr/>
-        </p:nvSpPr>
-        <p:spPr>
-          <a:xfrm>
-            <a:off x="3419872" y="1844824"/>
-            <a:ext cx="1800200" cy="45719"/>
-          </a:xfrm>
-          <a:prstGeom prst="rightArrow">
-            <a:avLst/>
-          </a:prstGeom>
-        </p:spPr>
-        <p:style>
-          <a:lnRef idx="2">
-            <a:schemeClr val="accent1">
-              <a:shade val="50000"/>
-            </a:schemeClr>
-          </a:lnRef>
-          <a:fillRef idx="1">
-            <a:schemeClr val="accent1"/>
-          </a:fillRef>
-          <a:effectRef idx="0">
-            <a:schemeClr val="accent1"/>
-          </a:effectRef>
-          <a:fontRef idx="minor">
-            <a:schemeClr val="lt1"/>
-          </a:fontRef>
-        </p:style>
-        <p:txBody>
-          <a:bodyPr rtlCol="0" anchor="ctr"/>
-          <a:lstStyle/>
-          <a:p>
-            <a:pPr algn="ctr"/>
-            <a:endParaRPr lang="cs-CZ"/>
-          </a:p>
-        </p:txBody>
-      </p:sp>
-      <p:sp>
-        <p:nvSpPr>
-          <p:cNvPr id="5" name="Šipka doprava 4"/>
-          <p:cNvSpPr/>
-          <p:nvPr/>
-        </p:nvSpPr>
-        <p:spPr>
-          <a:xfrm>
-            <a:off x="4067944" y="2097822"/>
-            <a:ext cx="1152128" cy="45720"/>
-          </a:xfrm>
-          <a:prstGeom prst="rightArrow">
-            <a:avLst/>
-          </a:prstGeom>
-        </p:spPr>
-        <p:style>
-          <a:lnRef idx="2">
-            <a:schemeClr val="accent1">
-              <a:shade val="50000"/>
-            </a:schemeClr>
-          </a:lnRef>
-          <a:fillRef idx="1">
-            <a:schemeClr val="accent1"/>
-          </a:fillRef>
-          <a:effectRef idx="0">
-            <a:schemeClr val="accent1"/>
-          </a:effectRef>
-          <a:fontRef idx="minor">
-            <a:schemeClr val="lt1"/>
-          </a:fontRef>
-        </p:style>
-        <p:txBody>
-          <a:bodyPr rtlCol="0" anchor="ctr"/>
-          <a:lstStyle/>
-          <a:p>
-            <a:pPr algn="ctr"/>
-            <a:endParaRPr lang="cs-CZ"/>
-          </a:p>
-        </p:txBody>
-      </p:sp>
-      <p:sp>
-        <p:nvSpPr>
-          <p:cNvPr id="6" name="Šipka doprava 5"/>
-          <p:cNvSpPr/>
-          <p:nvPr/>
-        </p:nvSpPr>
-        <p:spPr>
-          <a:xfrm flipV="1">
-            <a:off x="3491880" y="2375170"/>
-            <a:ext cx="1728192" cy="45719"/>
-          </a:xfrm>
-          <a:prstGeom prst="rightArrow">
-            <a:avLst/>
-          </a:prstGeom>
-        </p:spPr>
-        <p:style>
-          <a:lnRef idx="2">
-            <a:schemeClr val="accent1">
-              <a:shade val="50000"/>
-            </a:schemeClr>
-          </a:lnRef>
-          <a:fillRef idx="1">
-            <a:schemeClr val="accent1"/>
-          </a:fillRef>
-          <a:effectRef idx="0">
-            <a:schemeClr val="accent1"/>
-          </a:effectRef>
-          <a:fontRef idx="minor">
-            <a:schemeClr val="lt1"/>
-          </a:fontRef>
-        </p:style>
-        <p:txBody>
-          <a:bodyPr rtlCol="0" anchor="ctr"/>
-          <a:lstStyle/>
-          <a:p>
-            <a:pPr algn="ctr"/>
-            <a:endParaRPr lang="cs-CZ"/>
-          </a:p>
-        </p:txBody>
-      </p:sp>
-      <p:sp>
-        <p:nvSpPr>
-          <p:cNvPr id="8" name="Šipka doprava 7"/>
-          <p:cNvSpPr/>
-          <p:nvPr/>
-        </p:nvSpPr>
-        <p:spPr>
-          <a:xfrm>
-            <a:off x="3419872" y="2882656"/>
-            <a:ext cx="1800200" cy="45719"/>
-          </a:xfrm>
-          <a:prstGeom prst="rightArrow">
-            <a:avLst/>
-          </a:prstGeom>
-        </p:spPr>
-        <p:style>
-          <a:lnRef idx="2">
-            <a:schemeClr val="accent1">
-              <a:shade val="50000"/>
-            </a:schemeClr>
-          </a:lnRef>
-          <a:fillRef idx="1">
-            <a:schemeClr val="accent1"/>
-          </a:fillRef>
-          <a:effectRef idx="0">
-            <a:schemeClr val="accent1"/>
-          </a:effectRef>
-          <a:fontRef idx="minor">
-            <a:schemeClr val="lt1"/>
-          </a:fontRef>
-        </p:style>
-        <p:txBody>
-          <a:bodyPr rtlCol="0" anchor="ctr"/>
-          <a:lstStyle/>
-          <a:p>
-            <a:pPr algn="ctr"/>
-            <a:endParaRPr lang="cs-CZ"/>
-          </a:p>
-        </p:txBody>
-      </p:sp>
-      <p:sp>
-        <p:nvSpPr>
-          <p:cNvPr id="7" name="TextovéPole 6"/>
-          <p:cNvSpPr txBox="1"/>
-          <p:nvPr/>
-        </p:nvSpPr>
-        <p:spPr>
-          <a:xfrm>
-            <a:off x="5441268" y="1484784"/>
-            <a:ext cx="3024336" cy="1569660"/>
+            <a:off x="1907704" y="1772816"/>
+            <a:ext cx="4905375" cy="1952625"/>
           </a:xfrm>
           <a:prstGeom prst="rect">
             <a:avLst/>
           </a:prstGeom>
-          <a:noFill/>
         </p:spPr>
-        <p:txBody>
-          <a:bodyPr wrap="square" rtlCol="0">
-            <a:spAutoFit/>
-          </a:bodyPr>
-          <a:lstStyle/>
-          <a:p>
-            <a:r>
-              <a:rPr lang="cs-CZ" sz="1600" dirty="0" smtClean="0"/>
-              <a:t>Jméno modulu</a:t>
-            </a:r>
-          </a:p>
-          <a:p>
-            <a:r>
-              <a:rPr lang="cs-CZ" sz="1600" dirty="0" smtClean="0"/>
-              <a:t>Meta-argument</a:t>
-            </a:r>
-          </a:p>
-          <a:p>
-            <a:r>
-              <a:rPr lang="cs-CZ" sz="1600" dirty="0" smtClean="0"/>
-              <a:t>Source</a:t>
-            </a:r>
-          </a:p>
-          <a:p>
-            <a:r>
-              <a:rPr lang="cs-CZ" sz="1600" dirty="0" err="1" smtClean="0"/>
-              <a:t>Version</a:t>
-            </a:r>
-            <a:endParaRPr lang="cs-CZ" sz="1600" dirty="0" smtClean="0"/>
-          </a:p>
-          <a:p>
-            <a:endParaRPr lang="cs-CZ" sz="1600" dirty="0"/>
-          </a:p>
-          <a:p>
-            <a:r>
-              <a:rPr lang="cs-CZ" sz="1600" dirty="0" smtClean="0"/>
-              <a:t>Input </a:t>
-            </a:r>
-            <a:r>
-              <a:rPr lang="cs-CZ" sz="1600" dirty="0" err="1" smtClean="0"/>
-              <a:t>variables</a:t>
-            </a:r>
-            <a:endParaRPr lang="cs-CZ" sz="1600" dirty="0"/>
-          </a:p>
-        </p:txBody>
-      </p:sp>
+      </p:pic>
     </p:spTree>
     <p:extLst>
       <p:ext uri="{BB962C8B-B14F-4D97-AF65-F5344CB8AC3E}">
-        <p14:creationId xmlns:p14="http://schemas.microsoft.com/office/powerpoint/2010/main" val="3143352561"/>
+        <p14:creationId xmlns:p14="http://schemas.microsoft.com/office/powerpoint/2010/main" val="965722010"/>
       </p:ext>
     </p:extLst>
   </p:cSld>
@@ -6242,248 +5930,167 @@
             </a:r>
             <a:r>
               <a:rPr lang="cs-CZ" dirty="0" err="1" smtClean="0"/>
-              <a:t>sources</a:t>
+              <a:t>block</a:t>
             </a:r>
             <a:endParaRPr lang="cs-CZ" dirty="0"/>
           </a:p>
           <a:p>
-            <a:pPr lvl="1"/>
-            <a:r>
-              <a:rPr lang="cs-CZ" sz="1700" dirty="0" err="1" smtClean="0"/>
-              <a:t>Local</a:t>
-            </a:r>
-            <a:r>
-              <a:rPr lang="cs-CZ" sz="1700" dirty="0" smtClean="0"/>
-              <a:t> </a:t>
-            </a:r>
-            <a:r>
-              <a:rPr lang="cs-CZ" sz="1700" dirty="0" err="1" smtClean="0"/>
-              <a:t>paths</a:t>
-            </a:r>
-            <a:r>
-              <a:rPr lang="cs-CZ" sz="1700" dirty="0"/>
-              <a:t>		</a:t>
-            </a:r>
-            <a:r>
-              <a:rPr lang="cs-CZ" sz="1500" dirty="0">
-                <a:solidFill>
-                  <a:schemeClr val="accent6">
-                    <a:lumMod val="75000"/>
-                  </a:schemeClr>
-                </a:solidFill>
-                <a:latin typeface="Consolas" panose="020B0609020204030204" pitchFamily="49" charset="0"/>
-              </a:rPr>
-              <a:t>source = "./</a:t>
-            </a:r>
-            <a:r>
-              <a:rPr lang="cs-CZ" sz="1500" dirty="0" err="1">
-                <a:solidFill>
-                  <a:schemeClr val="accent6">
-                    <a:lumMod val="75000"/>
-                  </a:schemeClr>
-                </a:solidFill>
-                <a:latin typeface="Consolas" panose="020B0609020204030204" pitchFamily="49" charset="0"/>
-              </a:rPr>
-              <a:t>consul</a:t>
-            </a:r>
-            <a:r>
-              <a:rPr lang="cs-CZ" sz="1500" dirty="0">
-                <a:solidFill>
-                  <a:schemeClr val="accent6">
-                    <a:lumMod val="75000"/>
-                  </a:schemeClr>
-                </a:solidFill>
-                <a:latin typeface="Consolas" panose="020B0609020204030204" pitchFamily="49" charset="0"/>
-              </a:rPr>
-              <a:t>"</a:t>
-            </a:r>
-            <a:br>
-              <a:rPr lang="cs-CZ" sz="1500" dirty="0">
-                <a:solidFill>
-                  <a:schemeClr val="accent6">
-                    <a:lumMod val="75000"/>
-                  </a:schemeClr>
-                </a:solidFill>
-                <a:latin typeface="Consolas" panose="020B0609020204030204" pitchFamily="49" charset="0"/>
-              </a:rPr>
-            </a:br>
-            <a:endParaRPr lang="cs-CZ" sz="1700" dirty="0" smtClean="0"/>
-          </a:p>
-          <a:p>
-            <a:pPr lvl="1"/>
-            <a:r>
-              <a:rPr lang="cs-CZ" sz="1700" dirty="0" err="1" smtClean="0"/>
-              <a:t>Terraform</a:t>
-            </a:r>
-            <a:r>
-              <a:rPr lang="cs-CZ" sz="1700" dirty="0"/>
-              <a:t> registry	</a:t>
-            </a:r>
-            <a:r>
-              <a:rPr lang="cs-CZ" sz="1500" dirty="0">
-                <a:solidFill>
-                  <a:schemeClr val="accent6">
-                    <a:lumMod val="75000"/>
-                  </a:schemeClr>
-                </a:solidFill>
-                <a:latin typeface="Consolas" panose="020B0609020204030204" pitchFamily="49" charset="0"/>
-              </a:rPr>
-              <a:t>source = "</a:t>
-            </a:r>
-            <a:r>
-              <a:rPr lang="cs-CZ" sz="1500" dirty="0" err="1">
-                <a:solidFill>
-                  <a:schemeClr val="accent6">
-                    <a:lumMod val="75000"/>
-                  </a:schemeClr>
-                </a:solidFill>
-                <a:latin typeface="Consolas" panose="020B0609020204030204" pitchFamily="49" charset="0"/>
-              </a:rPr>
-              <a:t>hashicorp</a:t>
-            </a:r>
-            <a:r>
-              <a:rPr lang="cs-CZ" sz="1500" dirty="0">
-                <a:solidFill>
-                  <a:schemeClr val="accent6">
-                    <a:lumMod val="75000"/>
-                  </a:schemeClr>
-                </a:solidFill>
-                <a:latin typeface="Consolas" panose="020B0609020204030204" pitchFamily="49" charset="0"/>
-              </a:rPr>
-              <a:t>/</a:t>
-            </a:r>
-            <a:r>
-              <a:rPr lang="cs-CZ" sz="1500" dirty="0" err="1">
-                <a:solidFill>
-                  <a:schemeClr val="accent6">
-                    <a:lumMod val="75000"/>
-                  </a:schemeClr>
-                </a:solidFill>
-                <a:latin typeface="Consolas" panose="020B0609020204030204" pitchFamily="49" charset="0"/>
-              </a:rPr>
-              <a:t>consul</a:t>
-            </a:r>
-            <a:r>
-              <a:rPr lang="cs-CZ" sz="1500" dirty="0">
-                <a:solidFill>
-                  <a:schemeClr val="accent6">
-                    <a:lumMod val="75000"/>
-                  </a:schemeClr>
-                </a:solidFill>
-                <a:latin typeface="Consolas" panose="020B0609020204030204" pitchFamily="49" charset="0"/>
-              </a:rPr>
-              <a:t>/</a:t>
-            </a:r>
-            <a:r>
-              <a:rPr lang="cs-CZ" sz="1500" dirty="0" err="1">
-                <a:solidFill>
-                  <a:schemeClr val="accent6">
-                    <a:lumMod val="75000"/>
-                  </a:schemeClr>
-                </a:solidFill>
-                <a:latin typeface="Consolas" panose="020B0609020204030204" pitchFamily="49" charset="0"/>
-              </a:rPr>
-              <a:t>aws</a:t>
-            </a:r>
-            <a:r>
-              <a:rPr lang="cs-CZ" sz="1500" dirty="0">
-                <a:solidFill>
-                  <a:schemeClr val="accent6">
-                    <a:lumMod val="75000"/>
-                  </a:schemeClr>
-                </a:solidFill>
-                <a:latin typeface="Consolas" panose="020B0609020204030204" pitchFamily="49" charset="0"/>
-              </a:rPr>
-              <a:t>"</a:t>
-            </a:r>
-          </a:p>
-          <a:p>
-            <a:pPr marL="457200" lvl="1" indent="0">
+            <a:endParaRPr lang="cs-CZ" sz="1700" dirty="0"/>
+          </a:p>
+          <a:p>
+            <a:pPr marL="400050" lvl="1" indent="0">
               <a:buNone/>
             </a:pPr>
             <a:r>
-              <a:rPr lang="cs-CZ" sz="1500" dirty="0">
-                <a:solidFill>
-                  <a:schemeClr val="accent6">
-                    <a:lumMod val="75000"/>
-                  </a:schemeClr>
-                </a:solidFill>
-                <a:latin typeface="Consolas" panose="020B0609020204030204" pitchFamily="49" charset="0"/>
-              </a:rPr>
-              <a:t>			</a:t>
-            </a:r>
-            <a:r>
-              <a:rPr lang="cs-CZ" sz="1500" dirty="0" err="1">
-                <a:solidFill>
-                  <a:schemeClr val="accent6">
-                    <a:lumMod val="75000"/>
-                  </a:schemeClr>
-                </a:solidFill>
-                <a:latin typeface="Consolas" panose="020B0609020204030204" pitchFamily="49" charset="0"/>
-              </a:rPr>
-              <a:t>version</a:t>
-            </a:r>
-            <a:r>
-              <a:rPr lang="cs-CZ" sz="1500" dirty="0">
-                <a:solidFill>
-                  <a:schemeClr val="accent6">
-                    <a:lumMod val="75000"/>
-                  </a:schemeClr>
-                </a:solidFill>
-                <a:latin typeface="Consolas" panose="020B0609020204030204" pitchFamily="49" charset="0"/>
-              </a:rPr>
-              <a:t> = "0.1.0"</a:t>
-            </a:r>
-            <a:br>
-              <a:rPr lang="cs-CZ" sz="1500" dirty="0">
-                <a:solidFill>
-                  <a:schemeClr val="accent6">
-                    <a:lumMod val="75000"/>
-                  </a:schemeClr>
-                </a:solidFill>
-                <a:latin typeface="Consolas" panose="020B0609020204030204" pitchFamily="49" charset="0"/>
-              </a:rPr>
-            </a:br>
-            <a:endParaRPr lang="cs-CZ" sz="1500" dirty="0" smtClean="0"/>
-          </a:p>
-          <a:p>
-            <a:pPr lvl="1"/>
-            <a:r>
-              <a:rPr lang="cs-CZ" sz="1700" dirty="0" err="1" smtClean="0"/>
-              <a:t>GitHub</a:t>
-            </a:r>
-            <a:r>
-              <a:rPr lang="cs-CZ" sz="1700" dirty="0" smtClean="0"/>
+              <a:rPr lang="cs-CZ" sz="1300" dirty="0" smtClean="0">
+                <a:latin typeface="Consolas" panose="020B0609020204030204" pitchFamily="49" charset="0"/>
+              </a:rPr>
+              <a:t>module </a:t>
+            </a:r>
+            <a:r>
+              <a:rPr lang="cs-CZ" sz="1400" dirty="0">
+                <a:solidFill>
+                  <a:schemeClr val="accent6">
+                    <a:lumMod val="75000"/>
+                  </a:schemeClr>
+                </a:solidFill>
+                <a:latin typeface="Consolas" panose="020B0609020204030204" pitchFamily="49" charset="0"/>
+              </a:rPr>
+              <a:t>"</a:t>
+            </a:r>
+            <a:r>
+              <a:rPr lang="cs-CZ" sz="1400" dirty="0" err="1" smtClean="0">
+                <a:solidFill>
+                  <a:schemeClr val="accent6">
+                    <a:lumMod val="75000"/>
+                  </a:schemeClr>
+                </a:solidFill>
+                <a:latin typeface="Consolas" panose="020B0609020204030204" pitchFamily="49" charset="0"/>
+              </a:rPr>
+              <a:t>databases</a:t>
+            </a:r>
+            <a:r>
+              <a:rPr lang="cs-CZ" sz="1400" dirty="0">
+                <a:solidFill>
+                  <a:schemeClr val="accent6">
+                    <a:lumMod val="75000"/>
+                  </a:schemeClr>
+                </a:solidFill>
+                <a:latin typeface="Consolas" panose="020B0609020204030204" pitchFamily="49" charset="0"/>
+              </a:rPr>
+              <a:t>"</a:t>
+            </a:r>
+            <a:r>
+              <a:rPr lang="cs-CZ" sz="1400" dirty="0" smtClean="0">
+                <a:solidFill>
+                  <a:schemeClr val="accent6">
+                    <a:lumMod val="75000"/>
+                  </a:schemeClr>
+                </a:solidFill>
+                <a:latin typeface="Consolas" panose="020B0609020204030204" pitchFamily="49" charset="0"/>
+              </a:rPr>
+              <a:t> { </a:t>
+            </a:r>
+          </a:p>
+          <a:p>
+            <a:pPr marL="400050" lvl="1" indent="0">
+              <a:buNone/>
+            </a:pPr>
+            <a:r>
+              <a:rPr lang="cs-CZ" sz="1400" dirty="0" smtClean="0">
+                <a:solidFill>
+                  <a:schemeClr val="accent6">
+                    <a:lumMod val="75000"/>
+                  </a:schemeClr>
+                </a:solidFill>
+                <a:latin typeface="Consolas" panose="020B0609020204030204" pitchFamily="49" charset="0"/>
+              </a:rPr>
               <a:t>	</a:t>
             </a:r>
             <a:r>
-              <a:rPr lang="cs-CZ" sz="1700" dirty="0"/>
+              <a:rPr lang="cs-CZ" sz="1400" dirty="0" err="1" smtClean="0">
+                <a:solidFill>
+                  <a:schemeClr val="accent6">
+                    <a:lumMod val="75000"/>
+                  </a:schemeClr>
+                </a:solidFill>
+                <a:latin typeface="Consolas" panose="020B0609020204030204" pitchFamily="49" charset="0"/>
+              </a:rPr>
+              <a:t>count</a:t>
+            </a:r>
+            <a:r>
+              <a:rPr lang="cs-CZ" sz="1400" dirty="0" smtClean="0">
+                <a:solidFill>
+                  <a:schemeClr val="accent6">
+                    <a:lumMod val="75000"/>
+                  </a:schemeClr>
+                </a:solidFill>
+                <a:latin typeface="Consolas" panose="020B0609020204030204" pitchFamily="49" charset="0"/>
+              </a:rPr>
+              <a:t>   = 1</a:t>
+            </a:r>
+          </a:p>
+          <a:p>
+            <a:pPr marL="400050" lvl="1" indent="0">
+              <a:buNone/>
+            </a:pPr>
+            <a:r>
+              <a:rPr lang="cs-CZ" sz="1400" dirty="0">
+                <a:solidFill>
+                  <a:schemeClr val="accent6">
+                    <a:lumMod val="75000"/>
+                  </a:schemeClr>
+                </a:solidFill>
+                <a:latin typeface="Consolas" panose="020B0609020204030204" pitchFamily="49" charset="0"/>
+              </a:rPr>
               <a:t>	</a:t>
             </a:r>
             <a:r>
-              <a:rPr lang="cs-CZ" sz="1500" dirty="0">
-                <a:solidFill>
-                  <a:schemeClr val="accent6">
-                    <a:lumMod val="75000"/>
-                  </a:schemeClr>
-                </a:solidFill>
-                <a:latin typeface="Consolas" panose="020B0609020204030204" pitchFamily="49" charset="0"/>
-              </a:rPr>
-              <a:t>source = "github.com/</a:t>
-            </a:r>
-            <a:r>
-              <a:rPr lang="cs-CZ" sz="1500" dirty="0" err="1">
-                <a:solidFill>
-                  <a:schemeClr val="accent6">
-                    <a:lumMod val="75000"/>
-                  </a:schemeClr>
-                </a:solidFill>
-                <a:latin typeface="Consolas" panose="020B0609020204030204" pitchFamily="49" charset="0"/>
-              </a:rPr>
-              <a:t>hashicorp</a:t>
-            </a:r>
-            <a:r>
-              <a:rPr lang="cs-CZ" sz="1500" dirty="0">
+              <a:rPr lang="cs-CZ" sz="1400" dirty="0" smtClean="0">
+                <a:solidFill>
+                  <a:schemeClr val="accent6">
+                    <a:lumMod val="75000"/>
+                  </a:schemeClr>
+                </a:solidFill>
+                <a:latin typeface="Consolas" panose="020B0609020204030204" pitchFamily="49" charset="0"/>
+              </a:rPr>
+              <a:t>source  = </a:t>
+            </a:r>
+            <a:r>
+              <a:rPr lang="cs-CZ" sz="1400" dirty="0">
+                <a:solidFill>
+                  <a:schemeClr val="accent6">
+                    <a:lumMod val="75000"/>
+                  </a:schemeClr>
+                </a:solidFill>
+                <a:latin typeface="Consolas" panose="020B0609020204030204" pitchFamily="49" charset="0"/>
+              </a:rPr>
+              <a:t>"</a:t>
+            </a:r>
+            <a:r>
+              <a:rPr lang="cs-CZ" sz="1400" dirty="0" smtClean="0">
+                <a:solidFill>
+                  <a:schemeClr val="accent6">
+                    <a:lumMod val="75000"/>
+                  </a:schemeClr>
+                </a:solidFill>
+                <a:latin typeface="Consolas" panose="020B0609020204030204" pitchFamily="49" charset="0"/>
+              </a:rPr>
+              <a:t>../</a:t>
+            </a:r>
+            <a:r>
+              <a:rPr lang="cs-CZ" sz="1400" dirty="0" err="1" smtClean="0">
+                <a:solidFill>
+                  <a:schemeClr val="accent6">
+                    <a:lumMod val="75000"/>
+                  </a:schemeClr>
+                </a:solidFill>
+                <a:latin typeface="Consolas" panose="020B0609020204030204" pitchFamily="49" charset="0"/>
+              </a:rPr>
+              <a:t>modules</a:t>
+            </a:r>
+            <a:r>
+              <a:rPr lang="cs-CZ" sz="1400" dirty="0" smtClean="0">
                 <a:solidFill>
                   <a:schemeClr val="accent6">
                     <a:lumMod val="75000"/>
@@ -6494,18 +6101,18 @@
               <a:t>/</a:t>
             </a:r>
             <a:r>
-              <a:rPr lang="cs-CZ" sz="1500" dirty="0" err="1">
-                <a:solidFill>
-                  <a:schemeClr val="accent6">
-                    <a:lumMod val="75000"/>
-                  </a:schemeClr>
-                </a:solidFill>
-                <a:latin typeface="Consolas" panose="020B0609020204030204" pitchFamily="49" charset="0"/>
-              </a:rPr>
-              <a:t>example</a:t>
-            </a:r>
-            <a:r>
-              <a:rPr lang="cs-CZ" sz="1500" dirty="0">
+              <a:rPr lang="cs-CZ" sz="1400" dirty="0" err="1" smtClean="0">
+                <a:solidFill>
+                  <a:schemeClr val="accent6">
+                    <a:lumMod val="75000"/>
+                  </a:schemeClr>
+                </a:solidFill>
+                <a:latin typeface="Consolas" panose="020B0609020204030204" pitchFamily="49" charset="0"/>
+              </a:rPr>
+              <a:t>db</a:t>
+            </a:r>
+            <a:r>
+              <a:rPr lang="cs-CZ" sz="1400" dirty="0">
                 <a:solidFill>
                   <a:schemeClr val="accent6">
                     <a:lumMod val="75000"/>
@@ -6515,105 +6122,7 @@
               </a:rPr>
               <a:t>"</a:t>
             </a:r>
-            <a:br>
-              <a:rPr lang="cs-CZ" sz="1500" dirty="0">
-                <a:solidFill>
-                  <a:schemeClr val="accent6">
-                    <a:lumMod val="75000"/>
-                  </a:schemeClr>
-                </a:solidFill>
-                <a:latin typeface="Consolas" panose="020B0609020204030204" pitchFamily="49" charset="0"/>
-              </a:rPr>
-            </a:br>
-            <a:endParaRPr lang="cs-CZ" sz="1700" dirty="0" smtClean="0"/>
-          </a:p>
-          <a:p>
-            <a:pPr lvl="1"/>
-            <a:r>
-              <a:rPr lang="cs-CZ" sz="1700" dirty="0" err="1" smtClean="0"/>
-              <a:t>Bitbucket</a:t>
-            </a:r>
-            <a:r>
-              <a:rPr lang="cs-CZ" sz="1700" dirty="0" smtClean="0"/>
-              <a:t>		</a:t>
-            </a:r>
-            <a:r>
-              <a:rPr lang="cs-CZ" sz="1200" dirty="0">
-                <a:solidFill>
-                  <a:schemeClr val="accent6">
-                    <a:lumMod val="75000"/>
-                  </a:schemeClr>
-                </a:solidFill>
-                <a:latin typeface="Consolas" panose="020B0609020204030204" pitchFamily="49" charset="0"/>
-              </a:rPr>
-              <a:t>source = "bitbucket.org/</a:t>
-            </a:r>
-            <a:r>
-              <a:rPr lang="cs-CZ" sz="1200" dirty="0" err="1">
-                <a:solidFill>
-                  <a:schemeClr val="accent6">
-                    <a:lumMod val="75000"/>
-                  </a:schemeClr>
-                </a:solidFill>
-                <a:latin typeface="Consolas" panose="020B0609020204030204" pitchFamily="49" charset="0"/>
-              </a:rPr>
-              <a:t>hashicorp</a:t>
-            </a:r>
-            <a:r>
-              <a:rPr lang="cs-CZ" sz="1200" dirty="0">
-                <a:solidFill>
-                  <a:schemeClr val="accent6">
-                    <a:lumMod val="75000"/>
-                  </a:schemeClr>
-                </a:solidFill>
-                <a:latin typeface="Consolas" panose="020B0609020204030204" pitchFamily="49" charset="0"/>
-              </a:rPr>
-              <a:t>/</a:t>
-            </a:r>
-            <a:r>
-              <a:rPr lang="cs-CZ" sz="1200" dirty="0" err="1">
-                <a:solidFill>
-                  <a:schemeClr val="accent6">
-                    <a:lumMod val="75000"/>
-                  </a:schemeClr>
-                </a:solidFill>
-                <a:latin typeface="Consolas" panose="020B0609020204030204" pitchFamily="49" charset="0"/>
-              </a:rPr>
-              <a:t>terraform-consul-aws</a:t>
-            </a:r>
-            <a:r>
-              <a:rPr lang="cs-CZ" sz="1200" dirty="0">
-                <a:solidFill>
-                  <a:schemeClr val="accent6">
-                    <a:lumMod val="75000"/>
-                  </a:schemeClr>
-                </a:solidFill>
-                <a:latin typeface="Consolas" panose="020B0609020204030204" pitchFamily="49" charset="0"/>
-              </a:rPr>
-              <a:t>"</a:t>
-            </a:r>
-            <a:r>
-              <a:rPr lang="cs-CZ" sz="1500" dirty="0">
-                <a:solidFill>
-                  <a:schemeClr val="accent6">
-                    <a:lumMod val="75000"/>
-                  </a:schemeClr>
-                </a:solidFill>
-                <a:latin typeface="Consolas" panose="020B0609020204030204" pitchFamily="49" charset="0"/>
-              </a:rPr>
-              <a:t/>
-            </a:r>
-            <a:br>
-              <a:rPr lang="cs-CZ" sz="1500" dirty="0">
-                <a:solidFill>
-                  <a:schemeClr val="accent6">
-                    <a:lumMod val="75000"/>
-                  </a:schemeClr>
-                </a:solidFill>
-                <a:latin typeface="Consolas" panose="020B0609020204030204" pitchFamily="49" charset="0"/>
-              </a:rPr>
-            </a:br>
-            <a:endParaRPr lang="cs-CZ" sz="1500" dirty="0">
+            <a:endParaRPr lang="cs-CZ" sz="1400" dirty="0" smtClean="0">
               <a:solidFill>
                 <a:schemeClr val="accent6">
                   <a:lumMod val="75000"/>
@@ -6623,328 +6132,489 @@
             </a:endParaRPr>
           </a:p>
           <a:p>
-            <a:pPr lvl="1"/>
-            <a:r>
-              <a:rPr lang="cs-CZ" sz="1700" dirty="0" err="1" smtClean="0"/>
-              <a:t>Generit</a:t>
-            </a:r>
-            <a:r>
-              <a:rPr lang="cs-CZ" sz="1700" dirty="0" smtClean="0"/>
-              <a:t> </a:t>
-            </a:r>
-            <a:r>
-              <a:rPr lang="cs-CZ" sz="1700" dirty="0"/>
-              <a:t>Git		</a:t>
-            </a:r>
-            <a:r>
-              <a:rPr lang="cs-CZ" sz="1500" dirty="0">
-                <a:solidFill>
-                  <a:schemeClr val="accent6">
-                    <a:lumMod val="75000"/>
-                  </a:schemeClr>
-                </a:solidFill>
-                <a:latin typeface="Consolas" panose="020B0609020204030204" pitchFamily="49" charset="0"/>
-              </a:rPr>
-              <a:t>source = "</a:t>
-            </a:r>
-            <a:r>
-              <a:rPr lang="cs-CZ" sz="1500" dirty="0" err="1">
-                <a:solidFill>
-                  <a:schemeClr val="accent6">
-                    <a:lumMod val="75000"/>
-                  </a:schemeClr>
-                </a:solidFill>
-                <a:latin typeface="Consolas" panose="020B0609020204030204" pitchFamily="49" charset="0"/>
-              </a:rPr>
-              <a:t>git</a:t>
-            </a:r>
-            <a:r>
-              <a:rPr lang="cs-CZ" sz="1500" dirty="0">
-                <a:solidFill>
-                  <a:schemeClr val="accent6">
-                    <a:lumMod val="75000"/>
-                  </a:schemeClr>
-                </a:solidFill>
-                <a:latin typeface="Consolas" panose="020B0609020204030204" pitchFamily="49" charset="0"/>
-              </a:rPr>
-              <a:t>::https://example.com/</a:t>
-            </a:r>
-            <a:r>
-              <a:rPr lang="cs-CZ" sz="1500" dirty="0" err="1">
-                <a:solidFill>
-                  <a:schemeClr val="accent6">
-                    <a:lumMod val="75000"/>
-                  </a:schemeClr>
-                </a:solidFill>
-                <a:latin typeface="Consolas" panose="020B0609020204030204" pitchFamily="49" charset="0"/>
-              </a:rPr>
-              <a:t>vpc.git</a:t>
-            </a:r>
-            <a:r>
-              <a:rPr lang="cs-CZ" sz="1500" dirty="0">
-                <a:solidFill>
-                  <a:schemeClr val="accent6">
-                    <a:lumMod val="75000"/>
-                  </a:schemeClr>
-                </a:solidFill>
-                <a:latin typeface="Consolas" panose="020B0609020204030204" pitchFamily="49" charset="0"/>
-              </a:rPr>
-              <a:t>"</a:t>
-            </a:r>
-            <a:br>
-              <a:rPr lang="cs-CZ" sz="1500" dirty="0">
-                <a:solidFill>
-                  <a:schemeClr val="accent6">
-                    <a:lumMod val="75000"/>
-                  </a:schemeClr>
-                </a:solidFill>
-                <a:latin typeface="Consolas" panose="020B0609020204030204" pitchFamily="49" charset="0"/>
-              </a:rPr>
-            </a:br>
-            <a:endParaRPr lang="cs-CZ" sz="1700" dirty="0" smtClean="0"/>
-          </a:p>
-          <a:p>
-            <a:pPr lvl="1"/>
-            <a:r>
-              <a:rPr lang="cs-CZ" sz="1700" dirty="0" smtClean="0"/>
-              <a:t>HTTP </a:t>
-            </a:r>
-            <a:r>
-              <a:rPr lang="cs-CZ" sz="1700" dirty="0" err="1" smtClean="0"/>
-              <a:t>URLs</a:t>
-            </a:r>
-            <a:r>
-              <a:rPr lang="cs-CZ" sz="1700" dirty="0"/>
-              <a:t>		</a:t>
-            </a:r>
-            <a:r>
-              <a:rPr lang="cs-CZ" sz="1500" dirty="0">
-                <a:solidFill>
-                  <a:schemeClr val="accent6">
-                    <a:lumMod val="75000"/>
-                  </a:schemeClr>
-                </a:solidFill>
-                <a:latin typeface="Consolas" panose="020B0609020204030204" pitchFamily="49" charset="0"/>
-              </a:rPr>
-              <a:t>source = "https://example.com/vpc-module.zip"</a:t>
-            </a:r>
-            <a:br>
-              <a:rPr lang="cs-CZ" sz="1500" dirty="0">
-                <a:solidFill>
-                  <a:schemeClr val="accent6">
-                    <a:lumMod val="75000"/>
-                  </a:schemeClr>
-                </a:solidFill>
-                <a:latin typeface="Consolas" panose="020B0609020204030204" pitchFamily="49" charset="0"/>
-              </a:rPr>
-            </a:br>
-            <a:endParaRPr lang="cs-CZ" sz="1700" dirty="0"/>
-          </a:p>
-          <a:p>
-            <a:pPr marL="457200" lvl="1" indent="0">
+            <a:pPr marL="400050" lvl="1" indent="0">
               <a:buNone/>
             </a:pPr>
             <a:r>
-              <a:rPr lang="cs-CZ" sz="1700" dirty="0" err="1" smtClean="0"/>
-              <a:t>Selection</a:t>
-            </a:r>
-            <a:r>
-              <a:rPr lang="cs-CZ" sz="1700" dirty="0" smtClean="0"/>
-              <a:t> a </a:t>
-            </a:r>
-            <a:r>
-              <a:rPr lang="cs-CZ" sz="1700" dirty="0" err="1" smtClean="0"/>
-              <a:t>revision</a:t>
-            </a:r>
-            <a:r>
-              <a:rPr lang="cs-CZ" sz="1700" dirty="0" smtClean="0"/>
-              <a:t>:</a:t>
-            </a:r>
-          </a:p>
-          <a:p>
-            <a:pPr marL="457200" lvl="1" indent="0">
+              <a:rPr lang="cs-CZ" sz="1400" dirty="0" smtClean="0">
+                <a:solidFill>
+                  <a:schemeClr val="accent6">
+                    <a:lumMod val="75000"/>
+                  </a:schemeClr>
+                </a:solidFill>
+                <a:latin typeface="Consolas" panose="020B0609020204030204" pitchFamily="49" charset="0"/>
+              </a:rPr>
+              <a:t>	</a:t>
+            </a:r>
+            <a:r>
+              <a:rPr lang="cs-CZ" sz="1400" dirty="0" err="1" smtClean="0">
+                <a:solidFill>
+                  <a:schemeClr val="accent6">
+                    <a:lumMod val="75000"/>
+                  </a:schemeClr>
+                </a:solidFill>
+                <a:latin typeface="Consolas" panose="020B0609020204030204" pitchFamily="49" charset="0"/>
+              </a:rPr>
+              <a:t>version</a:t>
+            </a:r>
+            <a:r>
+              <a:rPr lang="cs-CZ" sz="1400" dirty="0" smtClean="0">
+                <a:solidFill>
+                  <a:schemeClr val="accent6">
+                    <a:lumMod val="75000"/>
+                  </a:schemeClr>
+                </a:solidFill>
+                <a:latin typeface="Consolas" panose="020B0609020204030204" pitchFamily="49" charset="0"/>
+              </a:rPr>
+              <a:t> = </a:t>
+            </a:r>
+            <a:r>
+              <a:rPr lang="cs-CZ" sz="1400" dirty="0">
+                <a:solidFill>
+                  <a:schemeClr val="accent6">
+                    <a:lumMod val="75000"/>
+                  </a:schemeClr>
+                </a:solidFill>
+                <a:latin typeface="Consolas" panose="020B0609020204030204" pitchFamily="49" charset="0"/>
+              </a:rPr>
+              <a:t>"</a:t>
+            </a:r>
+            <a:r>
+              <a:rPr lang="cs-CZ" sz="1400" dirty="0" smtClean="0">
+                <a:solidFill>
+                  <a:schemeClr val="accent6">
+                    <a:lumMod val="75000"/>
+                  </a:schemeClr>
+                </a:solidFill>
+                <a:latin typeface="Consolas" panose="020B0609020204030204" pitchFamily="49" charset="0"/>
+              </a:rPr>
+              <a:t>1.0.0</a:t>
+            </a:r>
+            <a:r>
+              <a:rPr lang="cs-CZ" sz="1400" dirty="0">
+                <a:solidFill>
+                  <a:schemeClr val="accent6">
+                    <a:lumMod val="75000"/>
+                  </a:schemeClr>
+                </a:solidFill>
+                <a:latin typeface="Consolas" panose="020B0609020204030204" pitchFamily="49" charset="0"/>
+              </a:rPr>
+              <a:t>"</a:t>
+            </a:r>
+            <a:r>
+              <a:rPr lang="cs-CZ" sz="1400" dirty="0" smtClean="0">
+                <a:solidFill>
+                  <a:schemeClr val="accent6">
+                    <a:lumMod val="75000"/>
+                  </a:schemeClr>
+                </a:solidFill>
+                <a:latin typeface="Consolas" panose="020B0609020204030204" pitchFamily="49" charset="0"/>
+              </a:rPr>
+              <a:t> </a:t>
+            </a:r>
+          </a:p>
+          <a:p>
+            <a:pPr marL="400050" lvl="1" indent="0">
               <a:buNone/>
             </a:pPr>
             <a:r>
-              <a:rPr lang="cs-CZ" sz="1500" dirty="0" smtClean="0">
-                <a:solidFill>
-                  <a:schemeClr val="accent6">
-                    <a:lumMod val="75000"/>
-                  </a:schemeClr>
-                </a:solidFill>
-                <a:latin typeface="Consolas" panose="020B0609020204030204" pitchFamily="49" charset="0"/>
-              </a:rPr>
-              <a:t>source </a:t>
-            </a:r>
-            <a:r>
-              <a:rPr lang="cs-CZ" sz="1500" dirty="0">
-                <a:solidFill>
-                  <a:schemeClr val="accent6">
-                    <a:lumMod val="75000"/>
-                  </a:schemeClr>
-                </a:solidFill>
-                <a:latin typeface="Consolas" panose="020B0609020204030204" pitchFamily="49" charset="0"/>
-              </a:rPr>
-              <a:t>= "</a:t>
-            </a:r>
-            <a:r>
-              <a:rPr lang="cs-CZ" sz="1500" dirty="0" err="1">
-                <a:solidFill>
-                  <a:schemeClr val="accent6">
-                    <a:lumMod val="75000"/>
-                  </a:schemeClr>
-                </a:solidFill>
-                <a:latin typeface="Consolas" panose="020B0609020204030204" pitchFamily="49" charset="0"/>
-              </a:rPr>
-              <a:t>git</a:t>
-            </a:r>
-            <a:r>
-              <a:rPr lang="cs-CZ" sz="1500" dirty="0">
-                <a:solidFill>
-                  <a:schemeClr val="accent6">
-                    <a:lumMod val="75000"/>
-                  </a:schemeClr>
-                </a:solidFill>
-                <a:latin typeface="Consolas" panose="020B0609020204030204" pitchFamily="49" charset="0"/>
-              </a:rPr>
-              <a:t>::https://</a:t>
-            </a:r>
-            <a:r>
-              <a:rPr lang="cs-CZ" sz="1500" dirty="0" smtClean="0">
-                <a:solidFill>
-                  <a:schemeClr val="accent6">
-                    <a:lumMod val="75000"/>
-                  </a:schemeClr>
-                </a:solidFill>
-                <a:latin typeface="Consolas" panose="020B0609020204030204" pitchFamily="49" charset="0"/>
-              </a:rPr>
-              <a:t>example.com/</a:t>
-            </a:r>
-            <a:r>
-              <a:rPr lang="cs-CZ" sz="1500" dirty="0" err="1" smtClean="0">
-                <a:solidFill>
-                  <a:schemeClr val="accent6">
-                    <a:lumMod val="75000"/>
-                  </a:schemeClr>
-                </a:solidFill>
-                <a:latin typeface="Consolas" panose="020B0609020204030204" pitchFamily="49" charset="0"/>
-              </a:rPr>
-              <a:t>vpc.git?ref</a:t>
-            </a:r>
-            <a:r>
-              <a:rPr lang="cs-CZ" sz="1500" dirty="0" smtClean="0">
-                <a:solidFill>
-                  <a:schemeClr val="accent6">
-                    <a:lumMod val="75000"/>
-                  </a:schemeClr>
-                </a:solidFill>
-                <a:latin typeface="Consolas" panose="020B0609020204030204" pitchFamily="49" charset="0"/>
-              </a:rPr>
-              <a:t>=v1.2.0"</a:t>
-            </a:r>
-          </a:p>
-          <a:p>
-            <a:pPr marL="457200" lvl="1" indent="0">
+              <a:rPr lang="cs-CZ" sz="1400" dirty="0">
+                <a:solidFill>
+                  <a:schemeClr val="accent6">
+                    <a:lumMod val="75000"/>
+                  </a:schemeClr>
+                </a:solidFill>
+                <a:latin typeface="Consolas" panose="020B0609020204030204" pitchFamily="49" charset="0"/>
+              </a:rPr>
+              <a:t>	</a:t>
+            </a:r>
+            <a:endParaRPr lang="cs-CZ" sz="1400" dirty="0" smtClean="0">
+              <a:solidFill>
+                <a:schemeClr val="accent6">
+                  <a:lumMod val="75000"/>
+                </a:schemeClr>
+              </a:solidFill>
+              <a:latin typeface="Consolas" panose="020B0609020204030204" pitchFamily="49" charset="0"/>
+            </a:endParaRPr>
+          </a:p>
+          <a:p>
+            <a:pPr marL="400050" lvl="1" indent="0">
               <a:buNone/>
             </a:pPr>
             <a:r>
-              <a:rPr lang="cs-CZ" sz="1500" dirty="0">
-                <a:solidFill>
-                  <a:schemeClr val="accent6">
-                    <a:lumMod val="75000"/>
-                  </a:schemeClr>
-                </a:solidFill>
-                <a:latin typeface="Consolas" panose="020B0609020204030204" pitchFamily="49" charset="0"/>
-              </a:rPr>
-              <a:t>source = "</a:t>
-            </a:r>
-            <a:r>
-              <a:rPr lang="cs-CZ" sz="1500" dirty="0" err="1">
-                <a:solidFill>
-                  <a:schemeClr val="accent6">
-                    <a:lumMod val="75000"/>
-                  </a:schemeClr>
-                </a:solidFill>
-                <a:latin typeface="Consolas" panose="020B0609020204030204" pitchFamily="49" charset="0"/>
-              </a:rPr>
-              <a:t>git</a:t>
-            </a:r>
-            <a:r>
-              <a:rPr lang="cs-CZ" sz="1500" dirty="0">
-                <a:solidFill>
-                  <a:schemeClr val="accent6">
-                    <a:lumMod val="75000"/>
-                  </a:schemeClr>
-                </a:solidFill>
-                <a:latin typeface="Consolas" panose="020B0609020204030204" pitchFamily="49" charset="0"/>
-              </a:rPr>
-              <a:t>::https://</a:t>
-            </a:r>
-            <a:r>
-              <a:rPr lang="cs-CZ" sz="1500" dirty="0" smtClean="0">
-                <a:solidFill>
-                  <a:schemeClr val="accent6">
-                    <a:lumMod val="75000"/>
-                  </a:schemeClr>
-                </a:solidFill>
-                <a:latin typeface="Consolas" panose="020B0609020204030204" pitchFamily="49" charset="0"/>
-              </a:rPr>
-              <a:t>example.com/</a:t>
-            </a:r>
-            <a:r>
-              <a:rPr lang="cs-CZ" sz="1500" dirty="0" err="1" smtClean="0">
-                <a:solidFill>
-                  <a:schemeClr val="accent6">
-                    <a:lumMod val="75000"/>
-                  </a:schemeClr>
-                </a:solidFill>
-                <a:latin typeface="Consolas" panose="020B0609020204030204" pitchFamily="49" charset="0"/>
-              </a:rPr>
-              <a:t>vpc.git?ref</a:t>
-            </a:r>
-            <a:r>
-              <a:rPr lang="cs-CZ" sz="1500" dirty="0" smtClean="0">
-                <a:solidFill>
-                  <a:schemeClr val="accent6">
-                    <a:lumMod val="75000"/>
-                  </a:schemeClr>
-                </a:solidFill>
-                <a:latin typeface="Consolas" panose="020B0609020204030204" pitchFamily="49" charset="0"/>
-              </a:rPr>
-              <a:t>=51d462976d84fdea54b47d"</a:t>
-            </a:r>
-            <a:endParaRPr lang="cs-CZ" sz="1700" dirty="0" smtClean="0"/>
-          </a:p>
-          <a:p>
-            <a:pPr marL="457200" lvl="1" indent="0">
+              <a:rPr lang="cs-CZ" sz="1400" dirty="0">
+                <a:solidFill>
+                  <a:schemeClr val="accent6">
+                    <a:lumMod val="75000"/>
+                  </a:schemeClr>
+                </a:solidFill>
+                <a:latin typeface="Consolas" panose="020B0609020204030204" pitchFamily="49" charset="0"/>
+              </a:rPr>
+              <a:t>	</a:t>
+            </a:r>
+            <a:r>
+              <a:rPr lang="cs-CZ" sz="1400" dirty="0" err="1" smtClean="0">
+                <a:solidFill>
+                  <a:schemeClr val="accent6">
+                    <a:lumMod val="75000"/>
+                  </a:schemeClr>
+                </a:solidFill>
+                <a:latin typeface="Consolas" panose="020B0609020204030204" pitchFamily="49" charset="0"/>
+              </a:rPr>
+              <a:t>name</a:t>
+            </a:r>
+            <a:r>
+              <a:rPr lang="cs-CZ" sz="1400" dirty="0" smtClean="0">
+                <a:solidFill>
+                  <a:schemeClr val="accent6">
+                    <a:lumMod val="75000"/>
+                  </a:schemeClr>
+                </a:solidFill>
+                <a:latin typeface="Consolas" panose="020B0609020204030204" pitchFamily="49" charset="0"/>
+              </a:rPr>
+              <a:t> = </a:t>
+            </a:r>
+            <a:r>
+              <a:rPr lang="cs-CZ" sz="1400" dirty="0">
+                <a:solidFill>
+                  <a:schemeClr val="accent6">
+                    <a:lumMod val="75000"/>
+                  </a:schemeClr>
+                </a:solidFill>
+                <a:latin typeface="Consolas" panose="020B0609020204030204" pitchFamily="49" charset="0"/>
+              </a:rPr>
+              <a:t>"</a:t>
+            </a:r>
+            <a:r>
+              <a:rPr lang="cs-CZ" sz="1400" dirty="0" err="1" smtClean="0">
+                <a:solidFill>
+                  <a:schemeClr val="accent6">
+                    <a:lumMod val="75000"/>
+                  </a:schemeClr>
+                </a:solidFill>
+                <a:latin typeface="Consolas" panose="020B0609020204030204" pitchFamily="49" charset="0"/>
+              </a:rPr>
+              <a:t>dbname</a:t>
+            </a:r>
+            <a:r>
+              <a:rPr lang="cs-CZ" sz="1400" dirty="0" smtClean="0">
+                <a:solidFill>
+                  <a:schemeClr val="accent6">
+                    <a:lumMod val="75000"/>
+                  </a:schemeClr>
+                </a:solidFill>
+                <a:latin typeface="Consolas" panose="020B0609020204030204" pitchFamily="49" charset="0"/>
+              </a:rPr>
+              <a:t>"  </a:t>
+            </a:r>
+            <a:endParaRPr lang="cs-CZ" sz="1400" dirty="0">
+              <a:solidFill>
+                <a:schemeClr val="accent6">
+                  <a:lumMod val="75000"/>
+                </a:schemeClr>
+              </a:solidFill>
+              <a:latin typeface="Consolas" panose="020B0609020204030204" pitchFamily="49" charset="0"/>
+            </a:endParaRPr>
+          </a:p>
+          <a:p>
+            <a:pPr marL="400050" lvl="1" indent="0">
               <a:buNone/>
             </a:pPr>
             <a:r>
-              <a:rPr lang="cs-CZ" sz="1700" dirty="0"/>
-              <a:t>	</a:t>
-            </a:r>
-            <a:r>
-              <a:rPr lang="cs-CZ" sz="1700" dirty="0" smtClean="0"/>
+              <a:rPr lang="cs-CZ" sz="1400" dirty="0" smtClean="0">
+                <a:solidFill>
+                  <a:schemeClr val="accent6">
+                    <a:lumMod val="75000"/>
+                  </a:schemeClr>
+                </a:solidFill>
+                <a:latin typeface="Consolas" panose="020B0609020204030204" pitchFamily="49" charset="0"/>
+              </a:rPr>
+              <a:t>}</a:t>
+            </a:r>
+            <a:r>
+              <a:rPr lang="cs-CZ" sz="1300" dirty="0" smtClean="0"/>
               <a:t/>
             </a:r>
             <a:br>
-              <a:rPr lang="cs-CZ" sz="1700" dirty="0" smtClean="0"/>
+              <a:rPr lang="cs-CZ" sz="1300" dirty="0" smtClean="0"/>
             </a:br>
             <a:r>
-              <a:rPr lang="cs-CZ" sz="1000" dirty="0" smtClean="0"/>
+              <a:rPr lang="cs-CZ" sz="600" dirty="0" smtClean="0"/>
               <a:t/>
             </a:r>
             <a:br>
-              <a:rPr lang="cs-CZ" sz="1000" dirty="0" smtClean="0"/>
+              <a:rPr lang="cs-CZ" sz="600" dirty="0" smtClean="0"/>
             </a:br>
-            <a:endParaRPr lang="cs-CZ" sz="1000" dirty="0" smtClean="0"/>
+            <a:endParaRPr lang="cs-CZ" sz="600" dirty="0" smtClean="0"/>
+          </a:p>
+        </p:txBody>
+      </p:sp>
+      <p:sp>
+        <p:nvSpPr>
+          <p:cNvPr id="2" name="Šipka doprava 1"/>
+          <p:cNvSpPr/>
+          <p:nvPr/>
+        </p:nvSpPr>
+        <p:spPr>
+          <a:xfrm>
+            <a:off x="3419872" y="1582851"/>
+            <a:ext cx="1800200" cy="45719"/>
+          </a:xfrm>
+          <a:prstGeom prst="rightArrow">
+            <a:avLst/>
+          </a:prstGeom>
+        </p:spPr>
+        <p:style>
+          <a:lnRef idx="2">
+            <a:schemeClr val="accent1">
+              <a:shade val="50000"/>
+            </a:schemeClr>
+          </a:lnRef>
+          <a:fillRef idx="1">
+            <a:schemeClr val="accent1"/>
+          </a:fillRef>
+          <a:effectRef idx="0">
+            <a:schemeClr val="accent1"/>
+          </a:effectRef>
+          <a:fontRef idx="minor">
+            <a:schemeClr val="lt1"/>
+          </a:fontRef>
+        </p:style>
+        <p:txBody>
+          <a:bodyPr rtlCol="0" anchor="ctr"/>
+          <a:lstStyle/>
+          <a:p>
+            <a:pPr algn="ctr"/>
+            <a:endParaRPr lang="cs-CZ"/>
+          </a:p>
+        </p:txBody>
+      </p:sp>
+      <p:sp>
+        <p:nvSpPr>
+          <p:cNvPr id="4" name="Šipka doprava 3"/>
+          <p:cNvSpPr/>
+          <p:nvPr/>
+        </p:nvSpPr>
+        <p:spPr>
+          <a:xfrm>
+            <a:off x="3419872" y="1844824"/>
+            <a:ext cx="1800200" cy="45719"/>
+          </a:xfrm>
+          <a:prstGeom prst="rightArrow">
+            <a:avLst/>
+          </a:prstGeom>
+        </p:spPr>
+        <p:style>
+          <a:lnRef idx="2">
+            <a:schemeClr val="accent1">
+              <a:shade val="50000"/>
+            </a:schemeClr>
+          </a:lnRef>
+          <a:fillRef idx="1">
+            <a:schemeClr val="accent1"/>
+          </a:fillRef>
+          <a:effectRef idx="0">
+            <a:schemeClr val="accent1"/>
+          </a:effectRef>
+          <a:fontRef idx="minor">
+            <a:schemeClr val="lt1"/>
+          </a:fontRef>
+        </p:style>
+        <p:txBody>
+          <a:bodyPr rtlCol="0" anchor="ctr"/>
+          <a:lstStyle/>
+          <a:p>
+            <a:pPr algn="ctr"/>
+            <a:endParaRPr lang="cs-CZ"/>
+          </a:p>
+        </p:txBody>
+      </p:sp>
+      <p:sp>
+        <p:nvSpPr>
+          <p:cNvPr id="5" name="Šipka doprava 4"/>
+          <p:cNvSpPr/>
+          <p:nvPr/>
+        </p:nvSpPr>
+        <p:spPr>
+          <a:xfrm>
+            <a:off x="4067944" y="2097822"/>
+            <a:ext cx="1152128" cy="45720"/>
+          </a:xfrm>
+          <a:prstGeom prst="rightArrow">
+            <a:avLst/>
+          </a:prstGeom>
+        </p:spPr>
+        <p:style>
+          <a:lnRef idx="2">
+            <a:schemeClr val="accent1">
+              <a:shade val="50000"/>
+            </a:schemeClr>
+          </a:lnRef>
+          <a:fillRef idx="1">
+            <a:schemeClr val="accent1"/>
+          </a:fillRef>
+          <a:effectRef idx="0">
+            <a:schemeClr val="accent1"/>
+          </a:effectRef>
+          <a:fontRef idx="minor">
+            <a:schemeClr val="lt1"/>
+          </a:fontRef>
+        </p:style>
+        <p:txBody>
+          <a:bodyPr rtlCol="0" anchor="ctr"/>
+          <a:lstStyle/>
+          <a:p>
+            <a:pPr algn="ctr"/>
+            <a:endParaRPr lang="cs-CZ"/>
+          </a:p>
+        </p:txBody>
+      </p:sp>
+      <p:sp>
+        <p:nvSpPr>
+          <p:cNvPr id="6" name="Šipka doprava 5"/>
+          <p:cNvSpPr/>
+          <p:nvPr/>
+        </p:nvSpPr>
+        <p:spPr>
+          <a:xfrm flipV="1">
+            <a:off x="3491880" y="2375170"/>
+            <a:ext cx="1728192" cy="45719"/>
+          </a:xfrm>
+          <a:prstGeom prst="rightArrow">
+            <a:avLst/>
+          </a:prstGeom>
+        </p:spPr>
+        <p:style>
+          <a:lnRef idx="2">
+            <a:schemeClr val="accent1">
+              <a:shade val="50000"/>
+            </a:schemeClr>
+          </a:lnRef>
+          <a:fillRef idx="1">
+            <a:schemeClr val="accent1"/>
+          </a:fillRef>
+          <a:effectRef idx="0">
+            <a:schemeClr val="accent1"/>
+          </a:effectRef>
+          <a:fontRef idx="minor">
+            <a:schemeClr val="lt1"/>
+          </a:fontRef>
+        </p:style>
+        <p:txBody>
+          <a:bodyPr rtlCol="0" anchor="ctr"/>
+          <a:lstStyle/>
+          <a:p>
+            <a:pPr algn="ctr"/>
+            <a:endParaRPr lang="cs-CZ"/>
+          </a:p>
+        </p:txBody>
+      </p:sp>
+      <p:sp>
+        <p:nvSpPr>
+          <p:cNvPr id="8" name="Šipka doprava 7"/>
+          <p:cNvSpPr/>
+          <p:nvPr/>
+        </p:nvSpPr>
+        <p:spPr>
+          <a:xfrm>
+            <a:off x="3419872" y="2882656"/>
+            <a:ext cx="1800200" cy="45719"/>
+          </a:xfrm>
+          <a:prstGeom prst="rightArrow">
+            <a:avLst/>
+          </a:prstGeom>
+        </p:spPr>
+        <p:style>
+          <a:lnRef idx="2">
+            <a:schemeClr val="accent1">
+              <a:shade val="50000"/>
+            </a:schemeClr>
+          </a:lnRef>
+          <a:fillRef idx="1">
+            <a:schemeClr val="accent1"/>
+          </a:fillRef>
+          <a:effectRef idx="0">
+            <a:schemeClr val="accent1"/>
+          </a:effectRef>
+          <a:fontRef idx="minor">
+            <a:schemeClr val="lt1"/>
+          </a:fontRef>
+        </p:style>
+        <p:txBody>
+          <a:bodyPr rtlCol="0" anchor="ctr"/>
+          <a:lstStyle/>
+          <a:p>
+            <a:pPr algn="ctr"/>
+            <a:endParaRPr lang="cs-CZ"/>
+          </a:p>
+        </p:txBody>
+      </p:sp>
+      <p:sp>
+        <p:nvSpPr>
+          <p:cNvPr id="7" name="TextovéPole 6"/>
+          <p:cNvSpPr txBox="1"/>
+          <p:nvPr/>
+        </p:nvSpPr>
+        <p:spPr>
+          <a:xfrm>
+            <a:off x="5441268" y="1484784"/>
+            <a:ext cx="3024336" cy="1569660"/>
+          </a:xfrm>
+          <a:prstGeom prst="rect">
+            <a:avLst/>
+          </a:prstGeom>
+          <a:noFill/>
+        </p:spPr>
+        <p:txBody>
+          <a:bodyPr wrap="square" rtlCol="0">
+            <a:spAutoFit/>
+          </a:bodyPr>
+          <a:lstStyle/>
+          <a:p>
+            <a:r>
+              <a:rPr lang="cs-CZ" sz="1600" dirty="0" smtClean="0"/>
+              <a:t>Jméno modulu</a:t>
+            </a:r>
+          </a:p>
+          <a:p>
+            <a:r>
+              <a:rPr lang="cs-CZ" sz="1600" dirty="0" smtClean="0"/>
+              <a:t>Meta-argument</a:t>
+            </a:r>
+          </a:p>
+          <a:p>
+            <a:r>
+              <a:rPr lang="cs-CZ" sz="1600" dirty="0" smtClean="0"/>
+              <a:t>Source</a:t>
+            </a:r>
+          </a:p>
+          <a:p>
+            <a:r>
+              <a:rPr lang="cs-CZ" sz="1600" dirty="0" err="1" smtClean="0"/>
+              <a:t>Version</a:t>
+            </a:r>
+            <a:endParaRPr lang="cs-CZ" sz="1600" dirty="0" smtClean="0"/>
+          </a:p>
+          <a:p>
+            <a:endParaRPr lang="cs-CZ" sz="1600" dirty="0"/>
+          </a:p>
+          <a:p>
+            <a:r>
+              <a:rPr lang="cs-CZ" sz="1600" dirty="0" smtClean="0"/>
+              <a:t>Input </a:t>
+            </a:r>
+            <a:r>
+              <a:rPr lang="cs-CZ" sz="1600" dirty="0" err="1" smtClean="0"/>
+              <a:t>variables</a:t>
+            </a:r>
+            <a:endParaRPr lang="cs-CZ" sz="1600" dirty="0"/>
           </a:p>
         </p:txBody>
       </p:sp>
     </p:spTree>
     <p:extLst>
       <p:ext uri="{BB962C8B-B14F-4D97-AF65-F5344CB8AC3E}">
-        <p14:creationId xmlns:p14="http://schemas.microsoft.com/office/powerpoint/2010/main" val="3149611895"/>
+        <p14:creationId xmlns:p14="http://schemas.microsoft.com/office/powerpoint/2010/main" val="3143352561"/>
       </p:ext>
     </p:extLst>
   </p:cSld>
@@ -7031,157 +6701,720 @@
           </a:xfrm>
         </p:spPr>
         <p:txBody>
-          <a:bodyPr/>
+          <a:bodyPr>
+            <a:normAutofit/>
+          </a:bodyPr>
           <a:lstStyle/>
           <a:p>
             <a:r>
               <a:rPr lang="cs-CZ" dirty="0" smtClean="0"/>
-              <a:t>Meta-argument</a:t>
-            </a:r>
+              <a:t>Module </a:t>
+            </a:r>
+            <a:r>
+              <a:rPr lang="cs-CZ" dirty="0" err="1" smtClean="0"/>
+              <a:t>sources</a:t>
+            </a:r>
+            <a:endParaRPr lang="cs-CZ" dirty="0"/>
           </a:p>
           <a:p>
             <a:pPr lvl="1"/>
             <a:r>
-              <a:rPr lang="cs-CZ" sz="2000" dirty="0" smtClean="0"/>
-              <a:t>Speciální argumenty při volání modulů nebo </a:t>
-            </a:r>
-            <a:r>
-              <a:rPr lang="cs-CZ" sz="2000" dirty="0" err="1" smtClean="0"/>
-              <a:t>resourců</a:t>
-            </a:r>
-            <a:endParaRPr lang="cs-CZ" sz="2000" dirty="0" smtClean="0"/>
-          </a:p>
-          <a:p>
-            <a:pPr lvl="2"/>
-            <a:r>
-              <a:rPr lang="cs-CZ" sz="1600" dirty="0" err="1" smtClean="0">
-                <a:solidFill>
-                  <a:schemeClr val="accent6">
-                    <a:lumMod val="75000"/>
-                  </a:schemeClr>
-                </a:solidFill>
-                <a:latin typeface="Consolas" panose="020B0609020204030204" pitchFamily="49" charset="0"/>
-              </a:rPr>
-              <a:t>providers</a:t>
-            </a:r>
-            <a:r>
-              <a:rPr lang="cs-CZ" sz="1600" dirty="0" smtClean="0"/>
-              <a:t> – konfigurace providerů pro modul, pokud není uvedeno, dědí z „</a:t>
-            </a:r>
-            <a:r>
-              <a:rPr lang="cs-CZ" sz="1600" dirty="0" err="1" smtClean="0"/>
-              <a:t>parent</a:t>
-            </a:r>
-            <a:r>
-              <a:rPr lang="cs-CZ" sz="1600" dirty="0" smtClean="0"/>
-              <a:t> module“. Pokud je uvedeno, je dědění vypnuto.</a:t>
-            </a:r>
-          </a:p>
-          <a:p>
-            <a:pPr lvl="2"/>
-            <a:r>
-              <a:rPr lang="cs-CZ" sz="1600" dirty="0" err="1">
-                <a:solidFill>
-                  <a:schemeClr val="accent6">
-                    <a:lumMod val="75000"/>
-                  </a:schemeClr>
-                </a:solidFill>
-                <a:latin typeface="Consolas" panose="020B0609020204030204" pitchFamily="49" charset="0"/>
-              </a:rPr>
-              <a:t>depends_on</a:t>
-            </a:r>
-            <a:r>
-              <a:rPr lang="cs-CZ" sz="1600" dirty="0" smtClean="0"/>
-              <a:t> – explicitně definuje závislosti na jiných modulech/</a:t>
-            </a:r>
-            <a:r>
-              <a:rPr lang="cs-CZ" sz="1600" dirty="0" err="1" smtClean="0"/>
-              <a:t>resourcech</a:t>
-            </a:r>
-            <a:r>
-              <a:rPr lang="cs-CZ" sz="1600" dirty="0" smtClean="0"/>
-              <a:t>, využívat pouze pokud není jiné přímé spojení mezi moduly</a:t>
-            </a:r>
-          </a:p>
-          <a:p>
-            <a:pPr lvl="2"/>
-            <a:r>
-              <a:rPr lang="cs-CZ" sz="1600" dirty="0" err="1" smtClean="0">
-                <a:solidFill>
-                  <a:schemeClr val="accent6">
-                    <a:lumMod val="75000"/>
-                  </a:schemeClr>
-                </a:solidFill>
-                <a:latin typeface="Consolas" panose="020B0609020204030204" pitchFamily="49" charset="0"/>
-              </a:rPr>
-              <a:t>count</a:t>
-            </a:r>
-            <a:r>
-              <a:rPr lang="cs-CZ" sz="1600" dirty="0" smtClean="0"/>
-              <a:t> – vytváří více instancí, číslo </a:t>
-            </a:r>
-          </a:p>
-          <a:p>
-            <a:pPr lvl="2"/>
-            <a:r>
-              <a:rPr lang="cs-CZ" sz="1600" dirty="0" err="1">
-                <a:solidFill>
-                  <a:schemeClr val="accent6">
-                    <a:lumMod val="75000"/>
-                  </a:schemeClr>
-                </a:solidFill>
-                <a:latin typeface="Consolas" panose="020B0609020204030204" pitchFamily="49" charset="0"/>
-              </a:rPr>
-              <a:t>for_each</a:t>
-            </a:r>
-            <a:r>
-              <a:rPr lang="cs-CZ" sz="1600" dirty="0" smtClean="0"/>
-              <a:t> – vytváří více instancí, map/set </a:t>
-            </a:r>
-            <a:r>
-              <a:rPr lang="cs-CZ" sz="1600" dirty="0" err="1" smtClean="0"/>
-              <a:t>of</a:t>
-            </a:r>
-            <a:r>
-              <a:rPr lang="cs-CZ" sz="1600" dirty="0" smtClean="0"/>
+              <a:rPr lang="cs-CZ" sz="1700" dirty="0" err="1" smtClean="0"/>
+              <a:t>Local</a:t>
+            </a:r>
+            <a:r>
+              <a:rPr lang="cs-CZ" sz="1700" dirty="0" smtClean="0"/>
               <a:t> </a:t>
             </a:r>
             <a:r>
-              <a:rPr lang="cs-CZ" sz="1600" dirty="0" err="1" smtClean="0"/>
-              <a:t>strings</a:t>
-            </a:r>
-            <a:r>
-              <a:rPr lang="cs-CZ" dirty="0"/>
-              <a:t/>
+              <a:rPr lang="cs-CZ" sz="1700" dirty="0" err="1" smtClean="0"/>
+              <a:t>paths</a:t>
+            </a:r>
+            <a:r>
+              <a:rPr lang="cs-CZ" sz="1700" dirty="0"/>
+              <a:t>		</a:t>
+            </a:r>
+            <a:r>
+              <a:rPr lang="cs-CZ" sz="1500" dirty="0">
+                <a:solidFill>
+                  <a:schemeClr val="accent6">
+                    <a:lumMod val="75000"/>
+                  </a:schemeClr>
+                </a:solidFill>
+                <a:latin typeface="Consolas" panose="020B0609020204030204" pitchFamily="49" charset="0"/>
+              </a:rPr>
+              <a:t>source = "./</a:t>
+            </a:r>
+            <a:r>
+              <a:rPr lang="cs-CZ" sz="1500" dirty="0" err="1">
+                <a:solidFill>
+                  <a:schemeClr val="accent6">
+                    <a:lumMod val="75000"/>
+                  </a:schemeClr>
+                </a:solidFill>
+                <a:latin typeface="Consolas" panose="020B0609020204030204" pitchFamily="49" charset="0"/>
+              </a:rPr>
+              <a:t>consul</a:t>
+            </a:r>
+            <a:r>
+              <a:rPr lang="cs-CZ" sz="1500" dirty="0">
+                <a:solidFill>
+                  <a:schemeClr val="accent6">
+                    <a:lumMod val="75000"/>
+                  </a:schemeClr>
+                </a:solidFill>
+                <a:latin typeface="Consolas" panose="020B0609020204030204" pitchFamily="49" charset="0"/>
+              </a:rPr>
+              <a:t>"</a:t>
             </a:r>
             <a:br>
-              <a:rPr lang="cs-CZ" dirty="0"/>
+              <a:rPr lang="cs-CZ" sz="1500" dirty="0">
+                <a:solidFill>
+                  <a:schemeClr val="accent6">
+                    <a:lumMod val="75000"/>
+                  </a:schemeClr>
+                </a:solidFill>
+                <a:latin typeface="Consolas" panose="020B0609020204030204" pitchFamily="49" charset="0"/>
+              </a:rPr>
             </a:br>
-            <a:r>
-              <a:rPr lang="cs-CZ" sz="200" dirty="0" smtClean="0"/>
-              <a:t/>
-            </a:r>
-            <a:br>
-              <a:rPr lang="cs-CZ" sz="200" dirty="0" smtClean="0"/>
-            </a:br>
-            <a:endParaRPr lang="cs-CZ" sz="200" dirty="0" smtClean="0"/>
+            <a:endParaRPr lang="cs-CZ" sz="1700" dirty="0" smtClean="0"/>
           </a:p>
           <a:p>
             <a:pPr lvl="1"/>
-            <a:endParaRPr lang="cs-CZ" sz="1800" dirty="0" smtClean="0"/>
-          </a:p>
-          <a:p>
-            <a:pPr marL="914400" lvl="2" indent="0">
+            <a:r>
+              <a:rPr lang="cs-CZ" sz="1700" dirty="0" err="1" smtClean="0"/>
+              <a:t>Terraform</a:t>
+            </a:r>
+            <a:r>
+              <a:rPr lang="cs-CZ" sz="1700" dirty="0"/>
+              <a:t> registry	</a:t>
+            </a:r>
+            <a:r>
+              <a:rPr lang="cs-CZ" sz="1500" dirty="0">
+                <a:solidFill>
+                  <a:schemeClr val="accent6">
+                    <a:lumMod val="75000"/>
+                  </a:schemeClr>
+                </a:solidFill>
+                <a:latin typeface="Consolas" panose="020B0609020204030204" pitchFamily="49" charset="0"/>
+              </a:rPr>
+              <a:t>source = "</a:t>
+            </a:r>
+            <a:r>
+              <a:rPr lang="cs-CZ" sz="1500" dirty="0" err="1">
+                <a:solidFill>
+                  <a:schemeClr val="accent6">
+                    <a:lumMod val="75000"/>
+                  </a:schemeClr>
+                </a:solidFill>
+                <a:latin typeface="Consolas" panose="020B0609020204030204" pitchFamily="49" charset="0"/>
+              </a:rPr>
+              <a:t>hashicorp</a:t>
+            </a:r>
+            <a:r>
+              <a:rPr lang="cs-CZ" sz="1500" dirty="0">
+                <a:solidFill>
+                  <a:schemeClr val="accent6">
+                    <a:lumMod val="75000"/>
+                  </a:schemeClr>
+                </a:solidFill>
+                <a:latin typeface="Consolas" panose="020B0609020204030204" pitchFamily="49" charset="0"/>
+              </a:rPr>
+              <a:t>/</a:t>
+            </a:r>
+            <a:r>
+              <a:rPr lang="cs-CZ" sz="1500" dirty="0" err="1">
+                <a:solidFill>
+                  <a:schemeClr val="accent6">
+                    <a:lumMod val="75000"/>
+                  </a:schemeClr>
+                </a:solidFill>
+                <a:latin typeface="Consolas" panose="020B0609020204030204" pitchFamily="49" charset="0"/>
+              </a:rPr>
+              <a:t>consul</a:t>
+            </a:r>
+            <a:r>
+              <a:rPr lang="cs-CZ" sz="1500" dirty="0">
+                <a:solidFill>
+                  <a:schemeClr val="accent6">
+                    <a:lumMod val="75000"/>
+                  </a:schemeClr>
+                </a:solidFill>
+                <a:latin typeface="Consolas" panose="020B0609020204030204" pitchFamily="49" charset="0"/>
+              </a:rPr>
+              <a:t>/</a:t>
+            </a:r>
+            <a:r>
+              <a:rPr lang="cs-CZ" sz="1500" dirty="0" err="1">
+                <a:solidFill>
+                  <a:schemeClr val="accent6">
+                    <a:lumMod val="75000"/>
+                  </a:schemeClr>
+                </a:solidFill>
+                <a:latin typeface="Consolas" panose="020B0609020204030204" pitchFamily="49" charset="0"/>
+              </a:rPr>
+              <a:t>aws</a:t>
+            </a:r>
+            <a:r>
+              <a:rPr lang="cs-CZ" sz="1500" dirty="0">
+                <a:solidFill>
+                  <a:schemeClr val="accent6">
+                    <a:lumMod val="75000"/>
+                  </a:schemeClr>
+                </a:solidFill>
+                <a:latin typeface="Consolas" panose="020B0609020204030204" pitchFamily="49" charset="0"/>
+              </a:rPr>
+              <a:t>"</a:t>
+            </a:r>
+          </a:p>
+          <a:p>
+            <a:pPr marL="457200" lvl="1" indent="0">
               <a:buNone/>
             </a:pPr>
-            <a:endParaRPr lang="cs-CZ" sz="1400" dirty="0" smtClean="0"/>
+            <a:r>
+              <a:rPr lang="cs-CZ" sz="1500" dirty="0">
+                <a:solidFill>
+                  <a:schemeClr val="accent6">
+                    <a:lumMod val="75000"/>
+                  </a:schemeClr>
+                </a:solidFill>
+                <a:latin typeface="Consolas" panose="020B0609020204030204" pitchFamily="49" charset="0"/>
+              </a:rPr>
+              <a:t>			</a:t>
+            </a:r>
+            <a:r>
+              <a:rPr lang="cs-CZ" sz="1500" dirty="0" err="1">
+                <a:solidFill>
+                  <a:schemeClr val="accent6">
+                    <a:lumMod val="75000"/>
+                  </a:schemeClr>
+                </a:solidFill>
+                <a:latin typeface="Consolas" panose="020B0609020204030204" pitchFamily="49" charset="0"/>
+              </a:rPr>
+              <a:t>version</a:t>
+            </a:r>
+            <a:r>
+              <a:rPr lang="cs-CZ" sz="1500" dirty="0">
+                <a:solidFill>
+                  <a:schemeClr val="accent6">
+                    <a:lumMod val="75000"/>
+                  </a:schemeClr>
+                </a:solidFill>
+                <a:latin typeface="Consolas" panose="020B0609020204030204" pitchFamily="49" charset="0"/>
+              </a:rPr>
+              <a:t> = "0.1.0"</a:t>
+            </a:r>
+            <a:br>
+              <a:rPr lang="cs-CZ" sz="1500" dirty="0">
+                <a:solidFill>
+                  <a:schemeClr val="accent6">
+                    <a:lumMod val="75000"/>
+                  </a:schemeClr>
+                </a:solidFill>
+                <a:latin typeface="Consolas" panose="020B0609020204030204" pitchFamily="49" charset="0"/>
+              </a:rPr>
+            </a:br>
+            <a:endParaRPr lang="cs-CZ" sz="1500" dirty="0" smtClean="0"/>
+          </a:p>
+          <a:p>
+            <a:pPr lvl="1"/>
+            <a:r>
+              <a:rPr lang="cs-CZ" sz="1700" dirty="0" err="1" smtClean="0"/>
+              <a:t>GitHub</a:t>
+            </a:r>
+            <a:r>
+              <a:rPr lang="cs-CZ" sz="1700" dirty="0" smtClean="0"/>
+              <a:t>	</a:t>
+            </a:r>
+            <a:r>
+              <a:rPr lang="cs-CZ" sz="1700" dirty="0"/>
+              <a:t>	</a:t>
+            </a:r>
+            <a:r>
+              <a:rPr lang="cs-CZ" sz="1500" dirty="0">
+                <a:solidFill>
+                  <a:schemeClr val="accent6">
+                    <a:lumMod val="75000"/>
+                  </a:schemeClr>
+                </a:solidFill>
+                <a:latin typeface="Consolas" panose="020B0609020204030204" pitchFamily="49" charset="0"/>
+              </a:rPr>
+              <a:t>source = "github.com/</a:t>
+            </a:r>
+            <a:r>
+              <a:rPr lang="cs-CZ" sz="1500" dirty="0" err="1">
+                <a:solidFill>
+                  <a:schemeClr val="accent6">
+                    <a:lumMod val="75000"/>
+                  </a:schemeClr>
+                </a:solidFill>
+                <a:latin typeface="Consolas" panose="020B0609020204030204" pitchFamily="49" charset="0"/>
+              </a:rPr>
+              <a:t>hashicorp</a:t>
+            </a:r>
+            <a:r>
+              <a:rPr lang="cs-CZ" sz="1500" dirty="0">
+                <a:solidFill>
+                  <a:schemeClr val="accent6">
+                    <a:lumMod val="75000"/>
+                  </a:schemeClr>
+                </a:solidFill>
+                <a:latin typeface="Consolas" panose="020B0609020204030204" pitchFamily="49" charset="0"/>
+              </a:rPr>
+              <a:t>/</a:t>
+            </a:r>
+            <a:r>
+              <a:rPr lang="cs-CZ" sz="1500" dirty="0" err="1">
+                <a:solidFill>
+                  <a:schemeClr val="accent6">
+                    <a:lumMod val="75000"/>
+                  </a:schemeClr>
+                </a:solidFill>
+                <a:latin typeface="Consolas" panose="020B0609020204030204" pitchFamily="49" charset="0"/>
+              </a:rPr>
+              <a:t>example</a:t>
+            </a:r>
+            <a:r>
+              <a:rPr lang="cs-CZ" sz="1500" dirty="0">
+                <a:solidFill>
+                  <a:schemeClr val="accent6">
+                    <a:lumMod val="75000"/>
+                  </a:schemeClr>
+                </a:solidFill>
+                <a:latin typeface="Consolas" panose="020B0609020204030204" pitchFamily="49" charset="0"/>
+              </a:rPr>
+              <a:t>"</a:t>
+            </a:r>
+            <a:br>
+              <a:rPr lang="cs-CZ" sz="1500" dirty="0">
+                <a:solidFill>
+                  <a:schemeClr val="accent6">
+                    <a:lumMod val="75000"/>
+                  </a:schemeClr>
+                </a:solidFill>
+                <a:latin typeface="Consolas" panose="020B0609020204030204" pitchFamily="49" charset="0"/>
+              </a:rPr>
+            </a:br>
+            <a:endParaRPr lang="cs-CZ" sz="1700" dirty="0" smtClean="0"/>
+          </a:p>
+          <a:p>
+            <a:pPr lvl="1"/>
+            <a:r>
+              <a:rPr lang="cs-CZ" sz="1700" dirty="0" err="1" smtClean="0"/>
+              <a:t>Bitbucket</a:t>
+            </a:r>
+            <a:r>
+              <a:rPr lang="cs-CZ" sz="1700" dirty="0" smtClean="0"/>
+              <a:t>		</a:t>
+            </a:r>
+            <a:r>
+              <a:rPr lang="cs-CZ" sz="1200" dirty="0">
+                <a:solidFill>
+                  <a:schemeClr val="accent6">
+                    <a:lumMod val="75000"/>
+                  </a:schemeClr>
+                </a:solidFill>
+                <a:latin typeface="Consolas" panose="020B0609020204030204" pitchFamily="49" charset="0"/>
+              </a:rPr>
+              <a:t>source = "bitbucket.org/</a:t>
+            </a:r>
+            <a:r>
+              <a:rPr lang="cs-CZ" sz="1200" dirty="0" err="1">
+                <a:solidFill>
+                  <a:schemeClr val="accent6">
+                    <a:lumMod val="75000"/>
+                  </a:schemeClr>
+                </a:solidFill>
+                <a:latin typeface="Consolas" panose="020B0609020204030204" pitchFamily="49" charset="0"/>
+              </a:rPr>
+              <a:t>hashicorp</a:t>
+            </a:r>
+            <a:r>
+              <a:rPr lang="cs-CZ" sz="1200" dirty="0">
+                <a:solidFill>
+                  <a:schemeClr val="accent6">
+                    <a:lumMod val="75000"/>
+                  </a:schemeClr>
+                </a:solidFill>
+                <a:latin typeface="Consolas" panose="020B0609020204030204" pitchFamily="49" charset="0"/>
+              </a:rPr>
+              <a:t>/</a:t>
+            </a:r>
+            <a:r>
+              <a:rPr lang="cs-CZ" sz="1200" dirty="0" err="1">
+                <a:solidFill>
+                  <a:schemeClr val="accent6">
+                    <a:lumMod val="75000"/>
+                  </a:schemeClr>
+                </a:solidFill>
+                <a:latin typeface="Consolas" panose="020B0609020204030204" pitchFamily="49" charset="0"/>
+              </a:rPr>
+              <a:t>terraform-consul-aws</a:t>
+            </a:r>
+            <a:r>
+              <a:rPr lang="cs-CZ" sz="1200" dirty="0">
+                <a:solidFill>
+                  <a:schemeClr val="accent6">
+                    <a:lumMod val="75000"/>
+                  </a:schemeClr>
+                </a:solidFill>
+                <a:latin typeface="Consolas" panose="020B0609020204030204" pitchFamily="49" charset="0"/>
+              </a:rPr>
+              <a:t>"</a:t>
+            </a:r>
+            <a:r>
+              <a:rPr lang="cs-CZ" sz="1500" dirty="0">
+                <a:solidFill>
+                  <a:schemeClr val="accent6">
+                    <a:lumMod val="75000"/>
+                  </a:schemeClr>
+                </a:solidFill>
+                <a:latin typeface="Consolas" panose="020B0609020204030204" pitchFamily="49" charset="0"/>
+              </a:rPr>
+              <a:t/>
+            </a:r>
+            <a:br>
+              <a:rPr lang="cs-CZ" sz="1500" dirty="0">
+                <a:solidFill>
+                  <a:schemeClr val="accent6">
+                    <a:lumMod val="75000"/>
+                  </a:schemeClr>
+                </a:solidFill>
+                <a:latin typeface="Consolas" panose="020B0609020204030204" pitchFamily="49" charset="0"/>
+              </a:rPr>
+            </a:br>
+            <a:endParaRPr lang="cs-CZ" sz="1500" dirty="0">
+              <a:solidFill>
+                <a:schemeClr val="accent6">
+                  <a:lumMod val="75000"/>
+                </a:schemeClr>
+              </a:solidFill>
+              <a:latin typeface="Consolas" panose="020B0609020204030204" pitchFamily="49" charset="0"/>
+            </a:endParaRPr>
+          </a:p>
+          <a:p>
+            <a:pPr lvl="1"/>
+            <a:r>
+              <a:rPr lang="cs-CZ" sz="1700" dirty="0" err="1" smtClean="0"/>
+              <a:t>Generit</a:t>
+            </a:r>
+            <a:r>
+              <a:rPr lang="cs-CZ" sz="1700" dirty="0" smtClean="0"/>
+              <a:t> </a:t>
+            </a:r>
+            <a:r>
+              <a:rPr lang="cs-CZ" sz="1700" dirty="0"/>
+              <a:t>Git		</a:t>
+            </a:r>
+            <a:r>
+              <a:rPr lang="cs-CZ" sz="1500" dirty="0">
+                <a:solidFill>
+                  <a:schemeClr val="accent6">
+                    <a:lumMod val="75000"/>
+                  </a:schemeClr>
+                </a:solidFill>
+                <a:latin typeface="Consolas" panose="020B0609020204030204" pitchFamily="49" charset="0"/>
+              </a:rPr>
+              <a:t>source = "</a:t>
+            </a:r>
+            <a:r>
+              <a:rPr lang="cs-CZ" sz="1500" dirty="0" err="1">
+                <a:solidFill>
+                  <a:schemeClr val="accent6">
+                    <a:lumMod val="75000"/>
+                  </a:schemeClr>
+                </a:solidFill>
+                <a:latin typeface="Consolas" panose="020B0609020204030204" pitchFamily="49" charset="0"/>
+              </a:rPr>
+              <a:t>git</a:t>
+            </a:r>
+            <a:r>
+              <a:rPr lang="cs-CZ" sz="1500" dirty="0">
+                <a:solidFill>
+                  <a:schemeClr val="accent6">
+                    <a:lumMod val="75000"/>
+                  </a:schemeClr>
+                </a:solidFill>
+                <a:latin typeface="Consolas" panose="020B0609020204030204" pitchFamily="49" charset="0"/>
+              </a:rPr>
+              <a:t>::https://example.com/</a:t>
+            </a:r>
+            <a:r>
+              <a:rPr lang="cs-CZ" sz="1500" dirty="0" err="1">
+                <a:solidFill>
+                  <a:schemeClr val="accent6">
+                    <a:lumMod val="75000"/>
+                  </a:schemeClr>
+                </a:solidFill>
+                <a:latin typeface="Consolas" panose="020B0609020204030204" pitchFamily="49" charset="0"/>
+              </a:rPr>
+              <a:t>vpc.git</a:t>
+            </a:r>
+            <a:r>
+              <a:rPr lang="cs-CZ" sz="1500" dirty="0">
+                <a:solidFill>
+                  <a:schemeClr val="accent6">
+                    <a:lumMod val="75000"/>
+                  </a:schemeClr>
+                </a:solidFill>
+                <a:latin typeface="Consolas" panose="020B0609020204030204" pitchFamily="49" charset="0"/>
+              </a:rPr>
+              <a:t>"</a:t>
+            </a:r>
+            <a:br>
+              <a:rPr lang="cs-CZ" sz="1500" dirty="0">
+                <a:solidFill>
+                  <a:schemeClr val="accent6">
+                    <a:lumMod val="75000"/>
+                  </a:schemeClr>
+                </a:solidFill>
+                <a:latin typeface="Consolas" panose="020B0609020204030204" pitchFamily="49" charset="0"/>
+              </a:rPr>
+            </a:br>
+            <a:endParaRPr lang="cs-CZ" sz="1700" dirty="0" smtClean="0"/>
+          </a:p>
+          <a:p>
+            <a:pPr lvl="1"/>
+            <a:r>
+              <a:rPr lang="cs-CZ" sz="1700" dirty="0" smtClean="0"/>
+              <a:t>HTTP </a:t>
+            </a:r>
+            <a:r>
+              <a:rPr lang="cs-CZ" sz="1700" dirty="0" err="1" smtClean="0"/>
+              <a:t>URLs</a:t>
+            </a:r>
+            <a:r>
+              <a:rPr lang="cs-CZ" sz="1700" dirty="0"/>
+              <a:t>		</a:t>
+            </a:r>
+            <a:r>
+              <a:rPr lang="cs-CZ" sz="1500" dirty="0">
+                <a:solidFill>
+                  <a:schemeClr val="accent6">
+                    <a:lumMod val="75000"/>
+                  </a:schemeClr>
+                </a:solidFill>
+                <a:latin typeface="Consolas" panose="020B0609020204030204" pitchFamily="49" charset="0"/>
+              </a:rPr>
+              <a:t>source = "https://example.com/vpc-module.zip"</a:t>
+            </a:r>
+            <a:br>
+              <a:rPr lang="cs-CZ" sz="1500" dirty="0">
+                <a:solidFill>
+                  <a:schemeClr val="accent6">
+                    <a:lumMod val="75000"/>
+                  </a:schemeClr>
+                </a:solidFill>
+                <a:latin typeface="Consolas" panose="020B0609020204030204" pitchFamily="49" charset="0"/>
+              </a:rPr>
+            </a:br>
+            <a:endParaRPr lang="cs-CZ" sz="1700" dirty="0"/>
+          </a:p>
+          <a:p>
+            <a:pPr marL="457200" lvl="1" indent="0">
+              <a:buNone/>
+            </a:pPr>
+            <a:r>
+              <a:rPr lang="cs-CZ" sz="1700" dirty="0" err="1" smtClean="0"/>
+              <a:t>Selection</a:t>
+            </a:r>
+            <a:r>
+              <a:rPr lang="cs-CZ" sz="1700" dirty="0" smtClean="0"/>
+              <a:t> a </a:t>
+            </a:r>
+            <a:r>
+              <a:rPr lang="cs-CZ" sz="1700" dirty="0" err="1" smtClean="0"/>
+              <a:t>revision</a:t>
+            </a:r>
+            <a:r>
+              <a:rPr lang="cs-CZ" sz="1700" dirty="0" smtClean="0"/>
+              <a:t>:</a:t>
+            </a:r>
+          </a:p>
+          <a:p>
+            <a:pPr marL="457200" lvl="1" indent="0">
+              <a:buNone/>
+            </a:pPr>
+            <a:r>
+              <a:rPr lang="cs-CZ" sz="1500" dirty="0" smtClean="0">
+                <a:solidFill>
+                  <a:schemeClr val="accent6">
+                    <a:lumMod val="75000"/>
+                  </a:schemeClr>
+                </a:solidFill>
+                <a:latin typeface="Consolas" panose="020B0609020204030204" pitchFamily="49" charset="0"/>
+              </a:rPr>
+              <a:t>source </a:t>
+            </a:r>
+            <a:r>
+              <a:rPr lang="cs-CZ" sz="1500" dirty="0">
+                <a:solidFill>
+                  <a:schemeClr val="accent6">
+                    <a:lumMod val="75000"/>
+                  </a:schemeClr>
+                </a:solidFill>
+                <a:latin typeface="Consolas" panose="020B0609020204030204" pitchFamily="49" charset="0"/>
+              </a:rPr>
+              <a:t>= "</a:t>
+            </a:r>
+            <a:r>
+              <a:rPr lang="cs-CZ" sz="1500" dirty="0" err="1">
+                <a:solidFill>
+                  <a:schemeClr val="accent6">
+                    <a:lumMod val="75000"/>
+                  </a:schemeClr>
+                </a:solidFill>
+                <a:latin typeface="Consolas" panose="020B0609020204030204" pitchFamily="49" charset="0"/>
+              </a:rPr>
+              <a:t>git</a:t>
+            </a:r>
+            <a:r>
+              <a:rPr lang="cs-CZ" sz="1500" dirty="0">
+                <a:solidFill>
+                  <a:schemeClr val="accent6">
+                    <a:lumMod val="75000"/>
+                  </a:schemeClr>
+                </a:solidFill>
+                <a:latin typeface="Consolas" panose="020B0609020204030204" pitchFamily="49" charset="0"/>
+              </a:rPr>
+              <a:t>::https://</a:t>
+            </a:r>
+            <a:r>
+              <a:rPr lang="cs-CZ" sz="1500" dirty="0" smtClean="0">
+                <a:solidFill>
+                  <a:schemeClr val="accent6">
+                    <a:lumMod val="75000"/>
+                  </a:schemeClr>
+                </a:solidFill>
+                <a:latin typeface="Consolas" panose="020B0609020204030204" pitchFamily="49" charset="0"/>
+              </a:rPr>
+              <a:t>example.com/</a:t>
+            </a:r>
+            <a:r>
+              <a:rPr lang="cs-CZ" sz="1500" dirty="0" err="1" smtClean="0">
+                <a:solidFill>
+                  <a:schemeClr val="accent6">
+                    <a:lumMod val="75000"/>
+                  </a:schemeClr>
+                </a:solidFill>
+                <a:latin typeface="Consolas" panose="020B0609020204030204" pitchFamily="49" charset="0"/>
+              </a:rPr>
+              <a:t>vpc.git?ref</a:t>
+            </a:r>
+            <a:r>
+              <a:rPr lang="cs-CZ" sz="1500" dirty="0" smtClean="0">
+                <a:solidFill>
+                  <a:schemeClr val="accent6">
+                    <a:lumMod val="75000"/>
+                  </a:schemeClr>
+                </a:solidFill>
+                <a:latin typeface="Consolas" panose="020B0609020204030204" pitchFamily="49" charset="0"/>
+              </a:rPr>
+              <a:t>=v1.2.0"</a:t>
+            </a:r>
+          </a:p>
+          <a:p>
+            <a:pPr marL="457200" lvl="1" indent="0">
+              <a:buNone/>
+            </a:pPr>
+            <a:r>
+              <a:rPr lang="cs-CZ" sz="1500" dirty="0">
+                <a:solidFill>
+                  <a:schemeClr val="accent6">
+                    <a:lumMod val="75000"/>
+                  </a:schemeClr>
+                </a:solidFill>
+                <a:latin typeface="Consolas" panose="020B0609020204030204" pitchFamily="49" charset="0"/>
+              </a:rPr>
+              <a:t>source = "</a:t>
+            </a:r>
+            <a:r>
+              <a:rPr lang="cs-CZ" sz="1500" dirty="0" err="1">
+                <a:solidFill>
+                  <a:schemeClr val="accent6">
+                    <a:lumMod val="75000"/>
+                  </a:schemeClr>
+                </a:solidFill>
+                <a:latin typeface="Consolas" panose="020B0609020204030204" pitchFamily="49" charset="0"/>
+              </a:rPr>
+              <a:t>git</a:t>
+            </a:r>
+            <a:r>
+              <a:rPr lang="cs-CZ" sz="1500" dirty="0">
+                <a:solidFill>
+                  <a:schemeClr val="accent6">
+                    <a:lumMod val="75000"/>
+                  </a:schemeClr>
+                </a:solidFill>
+                <a:latin typeface="Consolas" panose="020B0609020204030204" pitchFamily="49" charset="0"/>
+              </a:rPr>
+              <a:t>::https://</a:t>
+            </a:r>
+            <a:r>
+              <a:rPr lang="cs-CZ" sz="1500" dirty="0" smtClean="0">
+                <a:solidFill>
+                  <a:schemeClr val="accent6">
+                    <a:lumMod val="75000"/>
+                  </a:schemeClr>
+                </a:solidFill>
+                <a:latin typeface="Consolas" panose="020B0609020204030204" pitchFamily="49" charset="0"/>
+              </a:rPr>
+              <a:t>example.com/</a:t>
+            </a:r>
+            <a:r>
+              <a:rPr lang="cs-CZ" sz="1500" dirty="0" err="1" smtClean="0">
+                <a:solidFill>
+                  <a:schemeClr val="accent6">
+                    <a:lumMod val="75000"/>
+                  </a:schemeClr>
+                </a:solidFill>
+                <a:latin typeface="Consolas" panose="020B0609020204030204" pitchFamily="49" charset="0"/>
+              </a:rPr>
+              <a:t>vpc.git?ref</a:t>
+            </a:r>
+            <a:r>
+              <a:rPr lang="cs-CZ" sz="1500" dirty="0" smtClean="0">
+                <a:solidFill>
+                  <a:schemeClr val="accent6">
+                    <a:lumMod val="75000"/>
+                  </a:schemeClr>
+                </a:solidFill>
+                <a:latin typeface="Consolas" panose="020B0609020204030204" pitchFamily="49" charset="0"/>
+              </a:rPr>
+              <a:t>=51d462976d84fdea54b47d"</a:t>
+            </a:r>
+            <a:endParaRPr lang="cs-CZ" sz="1700" dirty="0" smtClean="0"/>
+          </a:p>
+          <a:p>
+            <a:pPr marL="457200" lvl="1" indent="0">
+              <a:buNone/>
+            </a:pPr>
+            <a:r>
+              <a:rPr lang="cs-CZ" sz="1700" dirty="0"/>
+              <a:t>	</a:t>
+            </a:r>
+            <a:r>
+              <a:rPr lang="cs-CZ" sz="1700" dirty="0" smtClean="0"/>
+              <a:t/>
+            </a:r>
+            <a:br>
+              <a:rPr lang="cs-CZ" sz="1700" dirty="0" smtClean="0"/>
+            </a:br>
+            <a:r>
+              <a:rPr lang="cs-CZ" sz="1000" dirty="0" smtClean="0"/>
+              <a:t/>
+            </a:r>
+            <a:br>
+              <a:rPr lang="cs-CZ" sz="1000" dirty="0" smtClean="0"/>
+            </a:br>
+            <a:endParaRPr lang="cs-CZ" sz="1000" dirty="0" smtClean="0"/>
           </a:p>
         </p:txBody>
       </p:sp>
     </p:spTree>
     <p:extLst>
       <p:ext uri="{BB962C8B-B14F-4D97-AF65-F5344CB8AC3E}">
-        <p14:creationId xmlns:p14="http://schemas.microsoft.com/office/powerpoint/2010/main" val="1450561147"/>
+        <p14:creationId xmlns:p14="http://schemas.microsoft.com/office/powerpoint/2010/main" val="3149611895"/>
       </p:ext>
     </p:extLst>
   </p:cSld>
@@ -7272,151 +7505,153 @@
           <a:lstStyle/>
           <a:p>
             <a:r>
-              <a:rPr lang="cs-CZ" dirty="0" err="1" smtClean="0"/>
-              <a:t>Nested</a:t>
-            </a:r>
-            <a:r>
               <a:rPr lang="cs-CZ" dirty="0" smtClean="0"/>
+              <a:t>Meta-argument</a:t>
+            </a:r>
+          </a:p>
+          <a:p>
+            <a:pPr lvl="1"/>
+            <a:r>
+              <a:rPr lang="cs-CZ" sz="2000" dirty="0" smtClean="0"/>
+              <a:t>Speciální argumenty při volání modulů nebo </a:t>
+            </a:r>
+            <a:r>
+              <a:rPr lang="cs-CZ" sz="2000" dirty="0" err="1" smtClean="0"/>
+              <a:t>resourců</a:t>
+            </a:r>
+            <a:endParaRPr lang="cs-CZ" sz="2000" dirty="0" smtClean="0"/>
+          </a:p>
+          <a:p>
+            <a:pPr lvl="2"/>
+            <a:r>
+              <a:rPr lang="cs-CZ" sz="1600" dirty="0" err="1" smtClean="0">
+                <a:solidFill>
+                  <a:schemeClr val="accent6">
+                    <a:lumMod val="75000"/>
+                  </a:schemeClr>
+                </a:solidFill>
+                <a:latin typeface="Consolas" panose="020B0609020204030204" pitchFamily="49" charset="0"/>
+              </a:rPr>
+              <a:t>providers</a:t>
+            </a:r>
+            <a:r>
+              <a:rPr lang="cs-CZ" sz="1600" dirty="0" smtClean="0"/>
+              <a:t> – konfigurace providerů pro modul, pokud není uvedeno, dědí z „</a:t>
+            </a:r>
+            <a:r>
+              <a:rPr lang="cs-CZ" sz="1600" dirty="0" err="1" smtClean="0"/>
+              <a:t>parent</a:t>
+            </a:r>
+            <a:r>
+              <a:rPr lang="cs-CZ" sz="1600" dirty="0" smtClean="0"/>
+              <a:t> module“. Pokud je uvedeno, je dědění vypnuto.</a:t>
+            </a:r>
+          </a:p>
+          <a:p>
+            <a:pPr lvl="2"/>
+            <a:r>
+              <a:rPr lang="cs-CZ" sz="1600" dirty="0" err="1">
+                <a:solidFill>
+                  <a:schemeClr val="accent6">
+                    <a:lumMod val="75000"/>
+                  </a:schemeClr>
+                </a:solidFill>
+                <a:latin typeface="Consolas" panose="020B0609020204030204" pitchFamily="49" charset="0"/>
+              </a:rPr>
+              <a:t>depends_on</a:t>
+            </a:r>
+            <a:r>
+              <a:rPr lang="cs-CZ" sz="1600" dirty="0" smtClean="0"/>
+              <a:t> – explicitně definuje závislosti na jiných modulech/</a:t>
+            </a:r>
+            <a:r>
+              <a:rPr lang="cs-CZ" sz="1600" dirty="0" err="1" smtClean="0"/>
+              <a:t>resourcech</a:t>
+            </a:r>
+            <a:r>
+              <a:rPr lang="cs-CZ" sz="1600" dirty="0" smtClean="0"/>
+              <a:t>, využívat pouze pokud není jiné přímé spojení mezi moduly</a:t>
+            </a:r>
+          </a:p>
+          <a:p>
+            <a:pPr lvl="2"/>
+            <a:r>
+              <a:rPr lang="cs-CZ" sz="1600" dirty="0" err="1" smtClean="0">
+                <a:solidFill>
+                  <a:schemeClr val="accent6">
+                    <a:lumMod val="75000"/>
+                  </a:schemeClr>
+                </a:solidFill>
+                <a:latin typeface="Consolas" panose="020B0609020204030204" pitchFamily="49" charset="0"/>
+              </a:rPr>
+              <a:t>count</a:t>
+            </a:r>
+            <a:r>
+              <a:rPr lang="cs-CZ" sz="1600" dirty="0" smtClean="0"/>
+              <a:t> – vytváří více instancí, číslo </a:t>
+            </a:r>
+          </a:p>
+          <a:p>
+            <a:pPr lvl="2"/>
+            <a:r>
+              <a:rPr lang="cs-CZ" sz="1600" dirty="0" err="1">
+                <a:solidFill>
+                  <a:schemeClr val="accent6">
+                    <a:lumMod val="75000"/>
+                  </a:schemeClr>
+                </a:solidFill>
+                <a:latin typeface="Consolas" panose="020B0609020204030204" pitchFamily="49" charset="0"/>
+              </a:rPr>
+              <a:t>for_each</a:t>
+            </a:r>
+            <a:r>
+              <a:rPr lang="cs-CZ" sz="1600" dirty="0" smtClean="0"/>
+              <a:t> – vytváří více instancí, map/set </a:t>
+            </a:r>
+            <a:r>
+              <a:rPr lang="cs-CZ" sz="1600" dirty="0" err="1" smtClean="0"/>
+              <a:t>of</a:t>
+            </a:r>
+            <a:r>
+              <a:rPr lang="cs-CZ" sz="1600" dirty="0" smtClean="0"/>
               <a:t> </a:t>
             </a:r>
             <a:r>
-              <a:rPr lang="cs-CZ" dirty="0" err="1" smtClean="0"/>
-              <a:t>modules</a:t>
-            </a:r>
-            <a:endParaRPr lang="cs-CZ" dirty="0" smtClean="0"/>
+              <a:rPr lang="cs-CZ" sz="1600" dirty="0" err="1" smtClean="0"/>
+              <a:t>strings</a:t>
+            </a:r>
+            <a:r>
+              <a:rPr lang="cs-CZ" dirty="0"/>
+              <a:t/>
+            </a:r>
+            <a:br>
+              <a:rPr lang="cs-CZ" dirty="0"/>
+            </a:br>
+            <a:r>
+              <a:rPr lang="cs-CZ" sz="200" dirty="0" smtClean="0"/>
+              <a:t/>
+            </a:r>
+            <a:br>
+              <a:rPr lang="cs-CZ" sz="200" dirty="0" smtClean="0"/>
+            </a:br>
+            <a:endParaRPr lang="cs-CZ" sz="200" dirty="0" smtClean="0"/>
           </a:p>
           <a:p>
             <a:pPr lvl="1"/>
-            <a:r>
-              <a:rPr lang="cs-CZ" sz="2000" dirty="0" smtClean="0"/>
-              <a:t>Vnořený modul, modul volaný uvnitř jiného modulu</a:t>
-            </a:r>
-          </a:p>
-          <a:p>
-            <a:pPr lvl="1"/>
-            <a:r>
-              <a:rPr lang="cs-CZ" sz="2000" dirty="0" smtClean="0"/>
-              <a:t>Je volán stejným způsobem jako běžný modul</a:t>
-            </a:r>
-          </a:p>
-          <a:p>
-            <a:pPr lvl="2"/>
-            <a:r>
-              <a:rPr lang="cs-CZ" sz="1800" dirty="0" smtClean="0"/>
-              <a:t>Externí – „</a:t>
-            </a:r>
-            <a:r>
-              <a:rPr lang="cs-CZ" sz="1800" dirty="0" err="1" smtClean="0"/>
-              <a:t>child</a:t>
-            </a:r>
-            <a:r>
-              <a:rPr lang="cs-CZ" sz="1800" dirty="0" smtClean="0"/>
-              <a:t> moduly“</a:t>
-            </a:r>
-          </a:p>
-          <a:p>
-            <a:pPr lvl="2"/>
-            <a:r>
-              <a:rPr lang="cs-CZ" sz="1800" dirty="0" err="1" smtClean="0"/>
-              <a:t>Submoduly</a:t>
-            </a:r>
-            <a:r>
-              <a:rPr lang="cs-CZ" sz="1800" dirty="0" smtClean="0"/>
-              <a:t> – v rámci aktuálního </a:t>
-            </a:r>
-            <a:r>
-              <a:rPr lang="cs-CZ" sz="1800" dirty="0" err="1" smtClean="0"/>
-              <a:t>workspace</a:t>
-            </a:r>
-            <a:r>
-              <a:rPr lang="cs-CZ" sz="1800" dirty="0" smtClean="0"/>
-              <a:t> „./modul“</a:t>
-            </a:r>
-            <a:endParaRPr lang="cs-CZ" sz="2000" dirty="0"/>
-          </a:p>
-          <a:p>
-            <a:pPr lvl="1"/>
-            <a:r>
-              <a:rPr lang="cs-CZ" sz="2400" dirty="0" smtClean="0"/>
-              <a:t>K zamyšlení</a:t>
-            </a:r>
-          </a:p>
-          <a:p>
-            <a:pPr lvl="2"/>
-            <a:r>
-              <a:rPr lang="cs-CZ" sz="1600" dirty="0" smtClean="0"/>
-              <a:t>Urychlení vývoje, ale může vést k nejasným nebo neočekávaných výstupům</a:t>
-            </a:r>
-          </a:p>
-          <a:p>
-            <a:pPr lvl="2"/>
-            <a:r>
-              <a:rPr lang="cs-CZ" sz="1600" dirty="0" smtClean="0"/>
-              <a:t>Nevkládejte primární moduly hlouběji než dvě úrovně</a:t>
-            </a:r>
-          </a:p>
-          <a:p>
-            <a:pPr lvl="2"/>
-            <a:r>
-              <a:rPr lang="cs-CZ" sz="1600" dirty="0" smtClean="0"/>
-              <a:t>Používejte konzistentní jmennou konvenci pro </a:t>
-            </a:r>
-            <a:r>
-              <a:rPr lang="cs-CZ" sz="1600" dirty="0" err="1" smtClean="0"/>
-              <a:t>variables</a:t>
-            </a:r>
-            <a:r>
-              <a:rPr lang="cs-CZ" sz="1600" dirty="0" smtClean="0"/>
-              <a:t> a </a:t>
-            </a:r>
-            <a:r>
-              <a:rPr lang="cs-CZ" sz="1600" dirty="0" err="1" smtClean="0"/>
-              <a:t>outputs</a:t>
-            </a:r>
-            <a:r>
-              <a:rPr lang="cs-CZ" sz="1600" dirty="0" smtClean="0"/>
-              <a:t> (mapování mezi moduly)</a:t>
-            </a:r>
-          </a:p>
-          <a:p>
-            <a:pPr lvl="2"/>
-            <a:r>
-              <a:rPr lang="cs-CZ" sz="1600" dirty="0" smtClean="0"/>
-              <a:t>Omezená přenositelnost, pokud modul očekává nějaké závislosti</a:t>
-            </a:r>
-          </a:p>
-          <a:p>
-            <a:pPr lvl="2"/>
-            <a:r>
-              <a:rPr lang="cs-CZ" sz="1600" dirty="0" smtClean="0"/>
-              <a:t>Potencionální problémy s výkonem, pokud je </a:t>
-            </a:r>
-            <a:r>
-              <a:rPr lang="cs-CZ" sz="1600" dirty="0" err="1" smtClean="0"/>
-              <a:t>hiearchie</a:t>
-            </a:r>
-            <a:r>
-              <a:rPr lang="cs-CZ" sz="1600" dirty="0" smtClean="0"/>
-              <a:t> příliš složitá</a:t>
-            </a:r>
-          </a:p>
-          <a:p>
-            <a:pPr lvl="2"/>
-            <a:r>
-              <a:rPr lang="cs-CZ" sz="1600" dirty="0" err="1" smtClean="0"/>
-              <a:t>Over-engineering</a:t>
-            </a:r>
-            <a:r>
-              <a:rPr lang="cs-CZ" sz="1600" dirty="0" smtClean="0"/>
-              <a:t> – příliš složitá struktura, ve které se těžko orientuje</a:t>
-            </a:r>
+            <a:endParaRPr lang="cs-CZ" sz="1800" dirty="0" smtClean="0"/>
+          </a:p>
+          <a:p>
+            <a:pPr marL="914400" lvl="2" indent="0">
+              <a:buNone/>
+            </a:pPr>
+            <a:endParaRPr lang="cs-CZ" sz="1400" dirty="0" smtClean="0"/>
           </a:p>
         </p:txBody>
       </p:sp>
     </p:spTree>
     <p:extLst>
       <p:ext uri="{BB962C8B-B14F-4D97-AF65-F5344CB8AC3E}">
-        <p14:creationId xmlns:p14="http://schemas.microsoft.com/office/powerpoint/2010/main" val="651423021"/>
+        <p14:creationId xmlns:p14="http://schemas.microsoft.com/office/powerpoint/2010/main" val="1450561147"/>
       </p:ext>
     </p:extLst>
   </p:cSld>
@@ -7503,229 +7738,155 @@
           </a:xfrm>
         </p:spPr>
         <p:txBody>
-          <a:bodyPr>
-            <a:normAutofit/>
-          </a:bodyPr>
+          <a:bodyPr/>
           <a:lstStyle/>
           <a:p>
             <a:r>
+              <a:rPr lang="cs-CZ" dirty="0" err="1" smtClean="0"/>
+              <a:t>Nested</a:t>
+            </a:r>
+            <a:r>
               <a:rPr lang="cs-CZ" dirty="0" smtClean="0"/>
-              <a:t>Verze providerů</a:t>
-            </a:r>
+              <a:t> </a:t>
+            </a:r>
+            <a:r>
+              <a:rPr lang="cs-CZ" dirty="0" err="1" smtClean="0"/>
+              <a:t>modules</a:t>
+            </a:r>
+            <a:endParaRPr lang="cs-CZ" dirty="0" smtClean="0"/>
           </a:p>
           <a:p>
             <a:pPr lvl="1"/>
             <a:r>
               <a:rPr lang="cs-CZ" sz="2000" dirty="0" smtClean="0"/>
-              <a:t>Konfigurace providerů je sdílena bezi moduly (včetně </a:t>
-            </a:r>
-            <a:r>
-              <a:rPr lang="cs-CZ" sz="2000" dirty="0" err="1" smtClean="0"/>
-              <a:t>root</a:t>
-            </a:r>
+              <a:t>Vnořený modul, modul volaný uvnitř jiného modulu</a:t>
+            </a:r>
+          </a:p>
+          <a:p>
+            <a:pPr lvl="1"/>
             <a:r>
               <a:rPr lang="cs-CZ" sz="2000" dirty="0" smtClean="0"/>
-              <a:t>)</a:t>
-            </a:r>
+              <a:t>Je volán stejným způsobem jako běžný modul</a:t>
+            </a:r>
+          </a:p>
+          <a:p>
+            <a:pPr lvl="2"/>
+            <a:r>
+              <a:rPr lang="cs-CZ" sz="1800" dirty="0" smtClean="0"/>
+              <a:t>Externí – „</a:t>
+            </a:r>
+            <a:r>
+              <a:rPr lang="cs-CZ" sz="1800" dirty="0" err="1" smtClean="0"/>
+              <a:t>child</a:t>
+            </a:r>
+            <a:r>
+              <a:rPr lang="cs-CZ" sz="1800" dirty="0" smtClean="0"/>
+              <a:t> moduly“</a:t>
+            </a:r>
+          </a:p>
+          <a:p>
+            <a:pPr lvl="2"/>
+            <a:r>
+              <a:rPr lang="cs-CZ" sz="1800" dirty="0" err="1" smtClean="0"/>
+              <a:t>Submoduly</a:t>
+            </a:r>
+            <a:r>
+              <a:rPr lang="cs-CZ" sz="1800" dirty="0" smtClean="0"/>
+              <a:t> – v rámci aktuálního </a:t>
+            </a:r>
+            <a:r>
+              <a:rPr lang="cs-CZ" sz="1800" dirty="0" err="1" smtClean="0"/>
+              <a:t>workspace</a:t>
+            </a:r>
+            <a:r>
+              <a:rPr lang="cs-CZ" sz="1800" dirty="0" smtClean="0"/>
+              <a:t> „./modul“</a:t>
+            </a:r>
+            <a:endParaRPr lang="cs-CZ" sz="2000" dirty="0"/>
           </a:p>
           <a:p>
             <a:pPr lvl="1"/>
             <a:r>
-              <a:rPr lang="cs-CZ" sz="2000" dirty="0" smtClean="0"/>
-              <a:t>Každý modul ovšem může deklarovat vlastní providery a verze</a:t>
-            </a:r>
-          </a:p>
-          <a:p>
-            <a:pPr lvl="1"/>
-            <a:r>
-              <a:rPr lang="cs-CZ" sz="2000" dirty="0" err="1" smtClean="0"/>
-              <a:t>Terraform</a:t>
-            </a:r>
-            <a:r>
-              <a:rPr lang="cs-CZ" sz="2000" dirty="0" smtClean="0"/>
-              <a:t> hledá kompatibilní verze</a:t>
-            </a:r>
-          </a:p>
-          <a:p>
-            <a:pPr lvl="1"/>
-            <a:r>
-              <a:rPr lang="cs-CZ" sz="2000" dirty="0" smtClean="0"/>
-              <a:t>Při vývoji modulů je potřeba brát ohled na tuto kompatibilitu</a:t>
-            </a:r>
-          </a:p>
-          <a:p>
-            <a:pPr lvl="1"/>
-            <a:endParaRPr lang="cs-CZ" sz="2000" dirty="0"/>
-          </a:p>
-          <a:p>
-            <a:pPr lvl="1"/>
-            <a:r>
-              <a:rPr lang="cs-CZ" sz="2400" b="1" dirty="0" err="1"/>
-              <a:t>Version</a:t>
-            </a:r>
-            <a:r>
-              <a:rPr lang="cs-CZ" sz="2400" b="1" dirty="0"/>
-              <a:t> </a:t>
-            </a:r>
-            <a:r>
-              <a:rPr lang="cs-CZ" sz="2400" b="1" dirty="0" err="1"/>
-              <a:t>Constraint</a:t>
-            </a:r>
-            <a:r>
-              <a:rPr lang="cs-CZ" sz="2400" b="1" dirty="0"/>
-              <a:t> Syntax</a:t>
+              <a:rPr lang="cs-CZ" sz="2400" dirty="0" smtClean="0"/>
+              <a:t>K zamyšlení</a:t>
             </a:r>
           </a:p>
           <a:p>
             <a:pPr lvl="2"/>
             <a:r>
-              <a:rPr lang="cs-CZ" sz="1200" dirty="0">
-                <a:hlinkClick r:id="rId3"/>
-              </a:rPr>
-              <a:t>https://</a:t>
-            </a:r>
-            <a:r>
-              <a:rPr lang="cs-CZ" sz="1200" dirty="0" smtClean="0">
-                <a:hlinkClick r:id="rId3"/>
-              </a:rPr>
-              <a:t>developer.hashicorp.com/terraform/language/expressions/version-constraints</a:t>
-            </a:r>
-            <a:endParaRPr lang="cs-CZ" sz="1200" dirty="0" smtClean="0"/>
+              <a:rPr lang="cs-CZ" sz="1600" dirty="0" smtClean="0"/>
+              <a:t>Urychlení vývoje, ale může vést k nejasným nebo neočekávaných výstupům</a:t>
+            </a:r>
           </a:p>
           <a:p>
             <a:pPr lvl="2"/>
             <a:r>
-              <a:rPr lang="en-US" sz="1200" dirty="0">
-                <a:solidFill>
-                  <a:schemeClr val="accent6">
-                    <a:lumMod val="75000"/>
-                  </a:schemeClr>
-                </a:solidFill>
-                <a:latin typeface="Consolas" panose="020B0609020204030204" pitchFamily="49" charset="0"/>
-              </a:rPr>
-              <a:t>=</a:t>
-            </a:r>
-            <a:r>
-              <a:rPr lang="en-US" sz="1200" dirty="0"/>
-              <a:t> (or no operator): Allows only one exact version number. Cannot be combined with other conditions.</a:t>
+              <a:rPr lang="cs-CZ" sz="1600" dirty="0" smtClean="0"/>
+              <a:t>Nevkládejte primární moduly hlouběji než dvě úrovně</a:t>
             </a:r>
           </a:p>
           <a:p>
             <a:pPr lvl="2"/>
-            <a:endParaRPr lang="en-US" sz="1200" dirty="0"/>
+            <a:r>
+              <a:rPr lang="cs-CZ" sz="1600" dirty="0" smtClean="0"/>
+              <a:t>Používejte konzistentní jmennou konvenci pro </a:t>
+            </a:r>
+            <a:r>
+              <a:rPr lang="cs-CZ" sz="1600" dirty="0" err="1" smtClean="0"/>
+              <a:t>variables</a:t>
+            </a:r>
+            <a:r>
+              <a:rPr lang="cs-CZ" sz="1600" dirty="0" smtClean="0"/>
+              <a:t> a </a:t>
+            </a:r>
+            <a:r>
+              <a:rPr lang="cs-CZ" sz="1600" dirty="0" err="1" smtClean="0"/>
+              <a:t>outputs</a:t>
+            </a:r>
+            <a:r>
+              <a:rPr lang="cs-CZ" sz="1600" dirty="0" smtClean="0"/>
+              <a:t> (mapování mezi moduly)</a:t>
+            </a:r>
           </a:p>
           <a:p>
             <a:pPr lvl="2"/>
             <a:r>
-              <a:rPr lang="en-US" sz="1200" dirty="0">
-                <a:solidFill>
-                  <a:schemeClr val="accent6">
-                    <a:lumMod val="75000"/>
-                  </a:schemeClr>
-                </a:solidFill>
-                <a:latin typeface="Consolas" panose="020B0609020204030204" pitchFamily="49" charset="0"/>
-              </a:rPr>
-              <a:t>!=</a:t>
-            </a:r>
-            <a:r>
-              <a:rPr lang="en-US" sz="1200" dirty="0"/>
-              <a:t>: Excludes an exact version number.</a:t>
+              <a:rPr lang="cs-CZ" sz="1600" dirty="0" smtClean="0"/>
+              <a:t>Omezená přenositelnost, pokud modul očekává nějaké závislosti</a:t>
             </a:r>
           </a:p>
           <a:p>
             <a:pPr lvl="2"/>
-            <a:endParaRPr lang="en-US" sz="1200" dirty="0"/>
+            <a:r>
+              <a:rPr lang="cs-CZ" sz="1600" dirty="0" smtClean="0"/>
+              <a:t>Potencionální problémy s výkonem, pokud je </a:t>
+            </a:r>
+            <a:r>
+              <a:rPr lang="cs-CZ" sz="1600" dirty="0" err="1" smtClean="0"/>
+              <a:t>hiearchie</a:t>
+            </a:r>
+            <a:r>
+              <a:rPr lang="cs-CZ" sz="1600" dirty="0" smtClean="0"/>
+              <a:t> příliš složitá</a:t>
+            </a:r>
           </a:p>
           <a:p>
             <a:pPr lvl="2"/>
             <a:r>
-              <a:rPr lang="en-US" sz="1200" dirty="0">
-                <a:solidFill>
-                  <a:schemeClr val="accent6">
-                    <a:lumMod val="75000"/>
-                  </a:schemeClr>
-                </a:solidFill>
-                <a:latin typeface="Consolas" panose="020B0609020204030204" pitchFamily="49" charset="0"/>
-              </a:rPr>
-              <a:t>&gt;, &gt;=, &lt;, &lt;=</a:t>
-            </a:r>
-            <a:r>
-              <a:rPr lang="en-US" sz="1200" dirty="0"/>
-              <a:t>: Comparisons against a specified version, allowing versions for which the comparison is true. "Greater-than" requests newer versions, and "less-than" requests older versions.</a:t>
-            </a:r>
-          </a:p>
-          <a:p>
-            <a:pPr lvl="2"/>
-            <a:endParaRPr lang="en-US" sz="1200" dirty="0"/>
-          </a:p>
-          <a:p>
-            <a:pPr lvl="2"/>
-            <a:r>
-              <a:rPr lang="en-US" sz="1200" dirty="0">
-                <a:solidFill>
-                  <a:schemeClr val="accent6">
-                    <a:lumMod val="75000"/>
-                  </a:schemeClr>
-                </a:solidFill>
-                <a:latin typeface="Consolas" panose="020B0609020204030204" pitchFamily="49" charset="0"/>
-              </a:rPr>
-              <a:t>~&gt;</a:t>
-            </a:r>
-            <a:r>
-              <a:rPr lang="en-US" sz="1200" dirty="0"/>
-              <a:t>: Allows only the rightmost version component to increment. This format is referred to as the pessimistic constraint operator. For example, to allow new patch releases within a specific minor release, use the full version number:</a:t>
-            </a:r>
-          </a:p>
-          <a:p>
-            <a:pPr lvl="2"/>
-            <a:endParaRPr lang="en-US" sz="1200" dirty="0"/>
-          </a:p>
-          <a:p>
-            <a:pPr lvl="2"/>
-            <a:r>
-              <a:rPr lang="en-US" sz="1200" dirty="0">
-                <a:solidFill>
-                  <a:schemeClr val="accent6">
-                    <a:lumMod val="75000"/>
-                  </a:schemeClr>
-                </a:solidFill>
-                <a:latin typeface="Consolas" panose="020B0609020204030204" pitchFamily="49" charset="0"/>
-              </a:rPr>
-              <a:t>~&gt; 1.0.4</a:t>
-            </a:r>
-            <a:r>
-              <a:rPr lang="en-US" sz="1200" dirty="0"/>
-              <a:t>: Allows Terraform to install 1.0.5 and 1.0.10 but not 1.1.0.</a:t>
-            </a:r>
-          </a:p>
-          <a:p>
-            <a:pPr lvl="2"/>
-            <a:r>
-              <a:rPr lang="en-US" sz="1200" dirty="0">
-                <a:solidFill>
-                  <a:schemeClr val="accent6">
-                    <a:lumMod val="75000"/>
-                  </a:schemeClr>
-                </a:solidFill>
-                <a:latin typeface="Consolas" panose="020B0609020204030204" pitchFamily="49" charset="0"/>
-              </a:rPr>
-              <a:t>~&gt; 1.1</a:t>
-            </a:r>
-            <a:r>
-              <a:rPr lang="en-US" sz="1200" dirty="0"/>
-              <a:t>: Allows Terraform to install 1.2 and 1.10 but not 2.0.</a:t>
-            </a:r>
-            <a:endParaRPr lang="cs-CZ" sz="1200" dirty="0" smtClean="0"/>
-          </a:p>
-          <a:p>
-            <a:endParaRPr lang="cs-CZ" dirty="0" smtClean="0"/>
+              <a:rPr lang="cs-CZ" sz="1600" dirty="0" err="1" smtClean="0"/>
+              <a:t>Over-engineering</a:t>
+            </a:r>
+            <a:r>
+              <a:rPr lang="cs-CZ" sz="1600" dirty="0" smtClean="0"/>
+              <a:t> – příliš složitá struktura, ve které se těžko orientuje</a:t>
+            </a:r>
           </a:p>
         </p:txBody>
       </p:sp>
     </p:spTree>
     <p:extLst>
       <p:ext uri="{BB962C8B-B14F-4D97-AF65-F5344CB8AC3E}">
-        <p14:creationId xmlns:p14="http://schemas.microsoft.com/office/powerpoint/2010/main" val="1683666477"/>
+        <p14:creationId xmlns:p14="http://schemas.microsoft.com/office/powerpoint/2010/main" val="651423021"/>
       </p:ext>
     </p:extLst>
   </p:cSld>
